--- a/benefit evaluation poster.pptx
+++ b/benefit evaluation poster.pptx
@@ -291,7 +291,7 @@
       </p15:notesGuideLst>
     </p:ext>
     <p:ext uri="GoogleSlidesCustomDataVersion2">
-      <go:slidesCustomData xmlns="" xmlns:mc="http://schemas.openxmlformats.org/markup-compatibility/2006" xmlns:mv="urn:schemas-microsoft-com:mac:vml" xmlns:c="http://schemas.openxmlformats.org/drawingml/2006/chart" xmlns:dgm="http://schemas.openxmlformats.org/drawingml/2006/diagram" xmlns:o="urn:schemas-microsoft-com:office:office" xmlns:v="urn:schemas-microsoft-com:vml" xmlns:pvml="urn:schemas-microsoft-com:office:powerpoint" xmlns:com="http://schemas.openxmlformats.org/drawingml/2006/compatibility" xmlns:p14="http://schemas.microsoft.com/office/powerpoint/2010/main" xmlns:p15="http://schemas.microsoft.com/office/powerpoint/2012/main" xmlns:ahyp="http://schemas.microsoft.com/office/drawing/2018/hyperlinkcolor" xmlns:go="http://customooxmlschemas.google.com/" r:id="rId8" roundtripDataSignature="AMtx7mgU1Pp5gbw/J7bLp9/dWTZ3pIcRrA=="/>
+      <go:slidesCustomData xmlns:go="http://customooxmlschemas.google.com/" xmlns:ahyp="http://schemas.microsoft.com/office/drawing/2018/hyperlinkcolor" xmlns:p15="http://schemas.microsoft.com/office/powerpoint/2012/main" xmlns:p14="http://schemas.microsoft.com/office/powerpoint/2010/main" xmlns:com="http://schemas.openxmlformats.org/drawingml/2006/compatibility" xmlns:pvml="urn:schemas-microsoft-com:office:powerpoint" xmlns:v="urn:schemas-microsoft-com:vml" xmlns:o="urn:schemas-microsoft-com:office:office" xmlns:dgm="http://schemas.openxmlformats.org/drawingml/2006/diagram" xmlns:c="http://schemas.openxmlformats.org/drawingml/2006/chart" xmlns:mv="urn:schemas-microsoft-com:mac:vml" xmlns:mc="http://schemas.openxmlformats.org/markup-compatibility/2006" xmlns="" r:id="rId8" roundtripDataSignature="AMtx7mgU1Pp5gbw/J7bLp9/dWTZ3pIcRrA=="/>
     </p:ext>
   </p:extLst>
 </p:presentation>
@@ -9043,7 +9043,7 @@
                 <a:cs typeface="Arial"/>
                 <a:sym typeface="Arial"/>
               </a:rPr>
-              <a:t> Ye</a:t>
+              <a:t> Huang</a:t>
             </a:r>
             <a:r>
               <a:rPr lang="en-US" sz="5500" baseline="30000" dirty="0">
@@ -9105,7 +9105,7 @@
         </p:nvSpPr>
         <p:spPr>
           <a:xfrm>
-            <a:off x="2941350" y="1218388"/>
+            <a:off x="3493887" y="1216367"/>
             <a:ext cx="34125750" cy="1889457"/>
           </a:xfrm>
           <a:prstGeom prst="rect">

--- a/benefit evaluation poster.pptx
+++ b/benefit evaluation poster.pptx
@@ -1,6 +1,6 @@
 
 <file path=ppt/presentation.xml><?xml version="1.0" encoding="utf-8"?>
-<p:presentation xmlns:a="http://schemas.openxmlformats.org/drawingml/2006/main" xmlns:r="http://schemas.openxmlformats.org/officeDocument/2006/relationships" xmlns:p="http://schemas.openxmlformats.org/presentationml/2006/main" strictFirstAndLastChars="0" saveSubsetFonts="1" autoCompressPictures="0">
+<p:presentation xmlns:a="http://schemas.openxmlformats.org/drawingml/2006/main" xmlns:r="http://schemas.openxmlformats.org/officeDocument/2006/relationships" xmlns:p="http://schemas.openxmlformats.org/presentationml/2006/main" strictFirstAndLastChars="0" embedTrueTypeFonts="1" saveSubsetFonts="1" autoCompressPictures="0">
   <p:sldMasterIdLst>
     <p:sldMasterId id="2147483648" r:id="rId1"/>
   </p:sldMasterIdLst>
@@ -12,6 +12,21 @@
   </p:sldIdLst>
   <p:sldSz cx="43891200" cy="32918400"/>
   <p:notesSz cx="6858000" cy="9144000"/>
+  <p:embeddedFontLst>
+    <p:embeddedFont>
+      <p:font typeface="Calibri" panose="020F0502020204030204" pitchFamily="34" charset="0"/>
+      <p:regular r:id="rId4"/>
+      <p:bold r:id="rId5"/>
+      <p:italic r:id="rId6"/>
+      <p:boldItalic r:id="rId7"/>
+    </p:embeddedFont>
+    <p:embeddedFont>
+      <p:font typeface="Trebuchet MS" panose="020B0703020202090204" pitchFamily="34" charset="0"/>
+      <p:regular r:id="rId8"/>
+      <p:bold r:id="rId9"/>
+      <p:italic r:id="rId10"/>
+    </p:embeddedFont>
+  </p:embeddedFontLst>
   <p:defaultTextStyle>
     <a:defPPr marR="0" lvl="0" algn="l" rtl="0">
       <a:lnSpc>
@@ -291,10 +306,62 @@
       </p15:notesGuideLst>
     </p:ext>
     <p:ext uri="GoogleSlidesCustomDataVersion2">
-      <go:slidesCustomData xmlns:go="http://customooxmlschemas.google.com/" xmlns:ahyp="http://schemas.microsoft.com/office/drawing/2018/hyperlinkcolor" xmlns:p15="http://schemas.microsoft.com/office/powerpoint/2012/main" xmlns:p14="http://schemas.microsoft.com/office/powerpoint/2010/main" xmlns:com="http://schemas.openxmlformats.org/drawingml/2006/compatibility" xmlns:pvml="urn:schemas-microsoft-com:office:powerpoint" xmlns:v="urn:schemas-microsoft-com:vml" xmlns:o="urn:schemas-microsoft-com:office:office" xmlns:dgm="http://schemas.openxmlformats.org/drawingml/2006/diagram" xmlns:c="http://schemas.openxmlformats.org/drawingml/2006/chart" xmlns:mv="urn:schemas-microsoft-com:mac:vml" xmlns:mc="http://schemas.openxmlformats.org/markup-compatibility/2006" xmlns="" r:id="rId8" roundtripDataSignature="AMtx7mgU1Pp5gbw/J7bLp9/dWTZ3pIcRrA=="/>
+      <go:slidesCustomData xmlns:go="http://customooxmlschemas.google.com/" xmlns:ahyp="http://schemas.microsoft.com/office/drawing/2018/hyperlinkcolor" xmlns:p15="http://schemas.microsoft.com/office/powerpoint/2012/main" xmlns:p14="http://schemas.microsoft.com/office/powerpoint/2010/main" xmlns:com="http://schemas.openxmlformats.org/drawingml/2006/compatibility" xmlns:pvml="urn:schemas-microsoft-com:office:powerpoint" xmlns:v="urn:schemas-microsoft-com:vml" xmlns:o="urn:schemas-microsoft-com:office:office" xmlns:dgm="http://schemas.openxmlformats.org/drawingml/2006/diagram" xmlns:c="http://schemas.openxmlformats.org/drawingml/2006/chart" xmlns:mv="urn:schemas-microsoft-com:mac:vml" xmlns:mc="http://schemas.openxmlformats.org/markup-compatibility/2006" xmlns="" r:id="rId13" roundtripDataSignature="AMtx7mhjWqw9Y+9pD6A5CzEEbOqxcgd29w=="/>
     </p:ext>
   </p:extLst>
 </p:presentation>
+</file>
+
+<file path=ppt/commentAuthors.xml><?xml version="1.0" encoding="utf-8"?>
+<p:cmAuthorLst xmlns:a="http://schemas.openxmlformats.org/drawingml/2006/main" xmlns:r="http://schemas.openxmlformats.org/officeDocument/2006/relationships" xmlns:p="http://schemas.openxmlformats.org/presentationml/2006/main">
+  <p:cmAuthor id="0" name="Chenlingxi Xu" initials="" lastIdx="3" clrIdx="0"/>
+</p:cmAuthorLst>
+</file>
+
+<file path=ppt/comments/comment1.xml><?xml version="1.0" encoding="utf-8"?>
+<p:cmLst xmlns:a="http://schemas.openxmlformats.org/drawingml/2006/main" xmlns:r="http://schemas.openxmlformats.org/officeDocument/2006/relationships" xmlns:p="http://schemas.openxmlformats.org/presentationml/2006/main">
+  <p:cm authorId="0" dt="2024-04-18T17:51:52.873" idx="1">
+    <p:pos x="12497" y="14396"/>
+    <p:text>higher resolution ones needed</p:text>
+    <p:extLst>
+      <p:ext uri="{C676402C-5697-4E1C-873F-D02D1690AC5C}">
+        <p15:threadingInfo xmlns:p15="http://schemas.microsoft.com/office/powerpoint/2012/main" timeZoneBias="0"/>
+      </p:ext>
+      <p:ext uri="http://customooxmlschemas.google.com/">
+        <go:slidesCustomData xmlns:go="http://customooxmlschemas.google.com/" xmlns:ahyp="http://schemas.microsoft.com/office/drawing/2018/hyperlinkcolor" xmlns:p15="http://schemas.microsoft.com/office/powerpoint/2012/main" xmlns:p14="http://schemas.microsoft.com/office/powerpoint/2010/main" xmlns:com="http://schemas.openxmlformats.org/drawingml/2006/compatibility" xmlns:pvml="urn:schemas-microsoft-com:office:powerpoint" xmlns:v="urn:schemas-microsoft-com:vml" xmlns:o="urn:schemas-microsoft-com:office:office" xmlns:dgm="http://schemas.openxmlformats.org/drawingml/2006/diagram" xmlns:c="http://schemas.openxmlformats.org/drawingml/2006/chart" xmlns:mv="urn:schemas-microsoft-com:mac:vml" xmlns:mc="http://schemas.openxmlformats.org/markup-compatibility/2006" xmlns="" commentPostId="AAABMGsg_K0"/>
+      </p:ext>
+    </p:extLst>
+  </p:cm>
+  <p:cm authorId="0" dt="2024-04-18T17:51:45.575" idx="2">
+    <p:pos x="12497" y="14396"/>
+    <p:text>_Marked as resolved_
+how are the response scores distributed? does it meet prerequisite?</p:text>
+    <p:extLst>
+      <p:ext uri="{C676402C-5697-4E1C-873F-D02D1690AC5C}">
+        <p15:threadingInfo xmlns:p15="http://schemas.microsoft.com/office/powerpoint/2012/main" timeZoneBias="0">
+          <p15:parentCm authorId="0" idx="1"/>
+        </p15:threadingInfo>
+      </p:ext>
+      <p:ext uri="http://customooxmlschemas.google.com/">
+        <go:slidesCustomData xmlns:go="http://customooxmlschemas.google.com/" xmlns:ahyp="http://schemas.microsoft.com/office/drawing/2018/hyperlinkcolor" xmlns:p15="http://schemas.microsoft.com/office/powerpoint/2012/main" xmlns:p14="http://schemas.microsoft.com/office/powerpoint/2010/main" xmlns:com="http://schemas.openxmlformats.org/drawingml/2006/compatibility" xmlns:pvml="urn:schemas-microsoft-com:office:powerpoint" xmlns:v="urn:schemas-microsoft-com:vml" xmlns:o="urn:schemas-microsoft-com:office:office" xmlns:dgm="http://schemas.openxmlformats.org/drawingml/2006/diagram" xmlns:c="http://schemas.openxmlformats.org/drawingml/2006/chart" xmlns:mv="urn:schemas-microsoft-com:mac:vml" xmlns:mc="http://schemas.openxmlformats.org/markup-compatibility/2006" xmlns="" commentPostId="AAABKxnTAnA"/>
+      </p:ext>
+    </p:extLst>
+  </p:cm>
+  <p:cm authorId="0" dt="2024-04-18T17:51:52.873" idx="3">
+    <p:pos x="12497" y="14396"/>
+    <p:text>_Re-opened_</p:text>
+    <p:extLst>
+      <p:ext uri="{C676402C-5697-4E1C-873F-D02D1690AC5C}">
+        <p15:threadingInfo xmlns:p15="http://schemas.microsoft.com/office/powerpoint/2012/main" timeZoneBias="0">
+          <p15:parentCm authorId="0" idx="1"/>
+        </p15:threadingInfo>
+      </p:ext>
+      <p:ext uri="http://customooxmlschemas.google.com/">
+        <go:slidesCustomData xmlns:go="http://customooxmlschemas.google.com/" xmlns:ahyp="http://schemas.microsoft.com/office/drawing/2018/hyperlinkcolor" xmlns:p15="http://schemas.microsoft.com/office/powerpoint/2012/main" xmlns:p14="http://schemas.microsoft.com/office/powerpoint/2010/main" xmlns:com="http://schemas.openxmlformats.org/drawingml/2006/compatibility" xmlns:pvml="urn:schemas-microsoft-com:office:powerpoint" xmlns:v="urn:schemas-microsoft-com:vml" xmlns:o="urn:schemas-microsoft-com:office:office" xmlns:dgm="http://schemas.openxmlformats.org/drawingml/2006/diagram" xmlns:c="http://schemas.openxmlformats.org/drawingml/2006/chart" xmlns:mv="urn:schemas-microsoft-com:mac:vml" xmlns:mc="http://schemas.openxmlformats.org/markup-compatibility/2006" xmlns="" commentPostId="AAABKxnTAnE"/>
+      </p:ext>
+    </p:extLst>
+  </p:cm>
+</p:cmLst>
 </file>
 
 <file path=ppt/notesMasters/notesMaster1.xml><?xml version="1.0" encoding="utf-8"?>
@@ -1860,7 +1927,11 @@
               <a:buSzPts val="1400"/>
               <a:buNone/>
             </a:pPr>
-            <a:endParaRPr sz="1400" dirty="0"/>
+            <a:r>
+              <a:rPr lang="en-US" sz="1400"/>
+              <a:t>mpa slides: https://docs.google.com/presentation/d/17ASeSuCMX3GV8TyI8klEYpMpbS5JYYkn96dfPdZavco/edit#slide=id.g1eab84e68fc_0_26</a:t>
+            </a:r>
+            <a:endParaRPr sz="1400"/>
           </a:p>
         </p:txBody>
       </p:sp>
@@ -7934,8 +8005,8 @@
         </p:nvSpPr>
         <p:spPr>
           <a:xfrm>
-            <a:off x="30237257" y="16459200"/>
-            <a:ext cx="13591200" cy="1625010"/>
+            <a:off x="31699901" y="19291200"/>
+            <a:ext cx="11723700" cy="5795100"/>
           </a:xfrm>
           <a:prstGeom prst="rect">
             <a:avLst/>
@@ -7951,73 +8022,251 @@
           </a:bodyPr>
           <a:lstStyle/>
           <a:p>
-            <a:pPr marL="457200" lvl="0" indent="-406400" algn="l" rtl="0">
-              <a:spcBef>
-                <a:spcPts val="0"/>
-              </a:spcBef>
-              <a:spcAft>
-                <a:spcPts val="0"/>
-              </a:spcAft>
-              <a:buSzPts val="2800"/>
+            <a:pPr marL="457200" lvl="0" indent="-450850" algn="l" rtl="0">
+              <a:lnSpc>
+                <a:spcPct val="90000"/>
+              </a:lnSpc>
+              <a:spcBef>
+                <a:spcPts val="0"/>
+              </a:spcBef>
+              <a:spcAft>
+                <a:spcPts val="0"/>
+              </a:spcAft>
+              <a:buSzPts val="3500"/>
+              <a:buFont typeface="Calibri"/>
               <a:buChar char="●"/>
             </a:pPr>
             <a:r>
-              <a:rPr lang="en-US" sz="2800" dirty="0">
-                <a:latin typeface="Arial"/>
-                <a:ea typeface="Arial"/>
-                <a:cs typeface="Arial"/>
-                <a:sym typeface="Arial"/>
+              <a:rPr lang="en-US" sz="3500">
+                <a:latin typeface="Calibri"/>
+                <a:ea typeface="Calibri"/>
+                <a:cs typeface="Calibri"/>
+                <a:sym typeface="Calibri"/>
               </a:rPr>
-              <a:t>There was a decrease in self-reported engagement during the pandemic.</a:t>
+              <a:t>Further refine the items in the survey</a:t>
             </a:r>
-            <a:endParaRPr sz="2800" dirty="0">
-              <a:latin typeface="Arial"/>
-              <a:ea typeface="Arial"/>
-              <a:cs typeface="Arial"/>
-              <a:sym typeface="Arial"/>
+            <a:endParaRPr sz="3500">
+              <a:latin typeface="Calibri"/>
+              <a:ea typeface="Calibri"/>
+              <a:cs typeface="Calibri"/>
+              <a:sym typeface="Calibri"/>
             </a:endParaRPr>
           </a:p>
           <a:p>
-            <a:pPr marL="457200" lvl="0" indent="0" algn="l" rtl="0">
-              <a:spcBef>
-                <a:spcPts val="0"/>
-              </a:spcBef>
-              <a:spcAft>
-                <a:spcPts val="0"/>
-              </a:spcAft>
-              <a:buNone/>
+            <a:pPr marL="457200" lvl="0" indent="-450850" algn="l" rtl="0">
+              <a:lnSpc>
+                <a:spcPct val="90000"/>
+              </a:lnSpc>
+              <a:spcBef>
+                <a:spcPts val="0"/>
+              </a:spcBef>
+              <a:spcAft>
+                <a:spcPts val="0"/>
+              </a:spcAft>
+              <a:buSzPts val="3500"/>
+              <a:buFont typeface="Calibri"/>
+              <a:buChar char="●"/>
             </a:pPr>
-            <a:endParaRPr sz="2800" dirty="0">
-              <a:latin typeface="Arial"/>
-              <a:ea typeface="Arial"/>
-              <a:cs typeface="Arial"/>
-              <a:sym typeface="Arial"/>
+            <a:r>
+              <a:rPr lang="en-US" sz="3500">
+                <a:latin typeface="Calibri"/>
+                <a:ea typeface="Calibri"/>
+                <a:cs typeface="Calibri"/>
+                <a:sym typeface="Calibri"/>
+              </a:rPr>
+              <a:t>Create an Item Bank for the survey</a:t>
+            </a:r>
+            <a:endParaRPr sz="3500">
+              <a:latin typeface="Calibri"/>
+              <a:ea typeface="Calibri"/>
+              <a:cs typeface="Calibri"/>
+              <a:sym typeface="Calibri"/>
             </a:endParaRPr>
           </a:p>
           <a:p>
-            <a:pPr marL="0" lvl="0" indent="0" algn="l" rtl="0">
-              <a:spcBef>
-                <a:spcPts val="0"/>
-              </a:spcBef>
-              <a:spcAft>
-                <a:spcPts val="0"/>
-              </a:spcAft>
-              <a:buNone/>
+            <a:pPr marL="457200" lvl="0" indent="-450850" algn="l" rtl="0">
+              <a:lnSpc>
+                <a:spcPct val="90000"/>
+              </a:lnSpc>
+              <a:spcBef>
+                <a:spcPts val="0"/>
+              </a:spcBef>
+              <a:spcAft>
+                <a:spcPts val="0"/>
+              </a:spcAft>
+              <a:buSzPts val="3500"/>
+              <a:buFont typeface="Calibri"/>
+              <a:buChar char="●"/>
             </a:pPr>
             <a:r>
-              <a:rPr lang="en-US" sz="2800" b="1" dirty="0">
-                <a:latin typeface="Arial"/>
-                <a:ea typeface="Arial"/>
-                <a:cs typeface="Arial"/>
-                <a:sym typeface="Arial"/>
+              <a:rPr lang="en-US" sz="3500">
+                <a:latin typeface="Calibri"/>
+                <a:ea typeface="Calibri"/>
+                <a:cs typeface="Calibri"/>
+                <a:sym typeface="Calibri"/>
               </a:rPr>
-              <a:t>Limitations and Future Directions</a:t>
+              <a:t>Conduct Item analysis</a:t>
             </a:r>
-            <a:endParaRPr sz="2800" b="1" dirty="0">
-              <a:latin typeface="Arial"/>
-              <a:ea typeface="Arial"/>
-              <a:cs typeface="Arial"/>
-              <a:sym typeface="Arial"/>
+            <a:endParaRPr sz="3500">
+              <a:latin typeface="Calibri"/>
+              <a:ea typeface="Calibri"/>
+              <a:cs typeface="Calibri"/>
+              <a:sym typeface="Calibri"/>
+            </a:endParaRPr>
+          </a:p>
+          <a:p>
+            <a:pPr marL="457200" lvl="0" indent="-450850" algn="l" rtl="0">
+              <a:lnSpc>
+                <a:spcPct val="90000"/>
+              </a:lnSpc>
+              <a:spcBef>
+                <a:spcPts val="0"/>
+              </a:spcBef>
+              <a:spcAft>
+                <a:spcPts val="0"/>
+              </a:spcAft>
+              <a:buSzPts val="3500"/>
+              <a:buFont typeface="Calibri"/>
+              <a:buChar char="●"/>
+            </a:pPr>
+            <a:r>
+              <a:rPr lang="en-US" sz="3500">
+                <a:latin typeface="Calibri"/>
+                <a:ea typeface="Calibri"/>
+                <a:cs typeface="Calibri"/>
+                <a:sym typeface="Calibri"/>
+              </a:rPr>
+              <a:t>Conduct reliability and validity study</a:t>
+            </a:r>
+            <a:endParaRPr sz="3500">
+              <a:latin typeface="Calibri"/>
+              <a:ea typeface="Calibri"/>
+              <a:cs typeface="Calibri"/>
+              <a:sym typeface="Calibri"/>
+            </a:endParaRPr>
+          </a:p>
+          <a:p>
+            <a:pPr marL="457200" lvl="0" indent="-450850" algn="l" rtl="0">
+              <a:lnSpc>
+                <a:spcPct val="90000"/>
+              </a:lnSpc>
+              <a:spcBef>
+                <a:spcPts val="0"/>
+              </a:spcBef>
+              <a:spcAft>
+                <a:spcPts val="0"/>
+              </a:spcAft>
+              <a:buSzPts val="3500"/>
+              <a:buFont typeface="Calibri"/>
+              <a:buChar char="●"/>
+            </a:pPr>
+            <a:r>
+              <a:rPr lang="en-US" sz="3500">
+                <a:latin typeface="Calibri"/>
+                <a:ea typeface="Calibri"/>
+                <a:cs typeface="Calibri"/>
+                <a:sym typeface="Calibri"/>
+              </a:rPr>
+              <a:t>Ultimately develop a new scale for measuring welfare tradeoff ratio</a:t>
+            </a:r>
+            <a:endParaRPr sz="3500">
+              <a:latin typeface="Calibri"/>
+              <a:ea typeface="Calibri"/>
+              <a:cs typeface="Calibri"/>
+              <a:sym typeface="Calibri"/>
+            </a:endParaRPr>
+          </a:p>
+          <a:p>
+            <a:pPr marL="457200" lvl="0" indent="-450850" algn="l" rtl="0">
+              <a:lnSpc>
+                <a:spcPct val="90000"/>
+              </a:lnSpc>
+              <a:spcBef>
+                <a:spcPts val="0"/>
+              </a:spcBef>
+              <a:spcAft>
+                <a:spcPts val="0"/>
+              </a:spcAft>
+              <a:buSzPts val="3500"/>
+              <a:buFont typeface="Calibri"/>
+              <a:buChar char="●"/>
+            </a:pPr>
+            <a:r>
+              <a:rPr lang="en-US" sz="3500">
+                <a:latin typeface="Calibri"/>
+                <a:ea typeface="Calibri"/>
+                <a:cs typeface="Calibri"/>
+                <a:sym typeface="Calibri"/>
+              </a:rPr>
+              <a:t>Counterbalance the sequential in which the questions were given</a:t>
+            </a:r>
+            <a:endParaRPr sz="3500">
+              <a:latin typeface="Calibri"/>
+              <a:ea typeface="Calibri"/>
+              <a:cs typeface="Calibri"/>
+              <a:sym typeface="Calibri"/>
+            </a:endParaRPr>
+          </a:p>
+          <a:p>
+            <a:pPr marL="457200" lvl="0" indent="-450850" algn="l" rtl="0">
+              <a:lnSpc>
+                <a:spcPct val="90000"/>
+              </a:lnSpc>
+              <a:spcBef>
+                <a:spcPts val="0"/>
+              </a:spcBef>
+              <a:spcAft>
+                <a:spcPts val="0"/>
+              </a:spcAft>
+              <a:buSzPts val="3500"/>
+              <a:buFont typeface="Calibri"/>
+              <a:buChar char="●"/>
+            </a:pPr>
+            <a:r>
+              <a:rPr lang="en-US" sz="3500">
+                <a:latin typeface="Calibri"/>
+                <a:ea typeface="Calibri"/>
+                <a:cs typeface="Calibri"/>
+                <a:sym typeface="Calibri"/>
+              </a:rPr>
+              <a:t>Obtain WTR ratio measures from the participants. </a:t>
+            </a:r>
+            <a:endParaRPr sz="3500">
+              <a:latin typeface="Calibri"/>
+              <a:ea typeface="Calibri"/>
+              <a:cs typeface="Calibri"/>
+              <a:sym typeface="Calibri"/>
+            </a:endParaRPr>
+          </a:p>
+          <a:p>
+            <a:pPr marL="457200" lvl="0" indent="-450850" algn="l" rtl="0">
+              <a:lnSpc>
+                <a:spcPct val="90000"/>
+              </a:lnSpc>
+              <a:spcBef>
+                <a:spcPts val="0"/>
+              </a:spcBef>
+              <a:spcAft>
+                <a:spcPts val="0"/>
+              </a:spcAft>
+              <a:buSzPts val="3500"/>
+              <a:buFont typeface="Calibri"/>
+              <a:buChar char="●"/>
+            </a:pPr>
+            <a:r>
+              <a:rPr lang="en-US" sz="3500">
+                <a:latin typeface="Calibri"/>
+                <a:ea typeface="Calibri"/>
+                <a:cs typeface="Calibri"/>
+                <a:sym typeface="Calibri"/>
+              </a:rPr>
+              <a:t>Scale anchoring, social desirability, carryover effect (Response Biases)</a:t>
+            </a:r>
+            <a:endParaRPr sz="3500">
+              <a:latin typeface="Calibri"/>
+              <a:ea typeface="Calibri"/>
+              <a:cs typeface="Calibri"/>
+              <a:sym typeface="Calibri"/>
             </a:endParaRPr>
           </a:p>
         </p:txBody>
@@ -8034,8 +8283,8 @@
         </p:nvSpPr>
         <p:spPr>
           <a:xfrm>
-            <a:off x="62743" y="15220600"/>
-            <a:ext cx="14370000" cy="2862272"/>
+            <a:off x="590950" y="15050225"/>
+            <a:ext cx="13269000" cy="8635200"/>
           </a:xfrm>
           <a:prstGeom prst="rect">
             <a:avLst/>
@@ -8051,67 +8300,54 @@
           </a:bodyPr>
           <a:lstStyle/>
           <a:p>
-            <a:pPr marL="0" indent="0">
-              <a:spcBef>
-                <a:spcPts val="1800"/>
-              </a:spcBef>
+            <a:pPr marL="0" lvl="0" indent="0" algn="l" rtl="0">
+              <a:lnSpc>
+                <a:spcPct val="90000"/>
+              </a:lnSpc>
+              <a:spcBef>
+                <a:spcPts val="1800"/>
+              </a:spcBef>
+              <a:spcAft>
+                <a:spcPts val="0"/>
+              </a:spcAft>
               <a:buClr>
                 <a:srgbClr val="1F4E79"/>
               </a:buClr>
               <a:buSzPts val="3600"/>
+              <a:buNone/>
             </a:pPr>
             <a:r>
-              <a:rPr lang="en-US" sz="3500" b="1" dirty="0">
-                <a:solidFill>
-                  <a:schemeClr val="accent1">
-                    <a:lumMod val="50000"/>
-                  </a:schemeClr>
-                </a:solidFill>
-                <a:latin typeface="Arial"/>
-                <a:ea typeface="Arial"/>
-                <a:cs typeface="Arial"/>
-                <a:sym typeface="Arial"/>
+              <a:rPr lang="en-US" sz="3500" b="1">
+                <a:solidFill>
+                  <a:srgbClr val="1E4E79"/>
+                </a:solidFill>
+                <a:latin typeface="Calibri"/>
+                <a:ea typeface="Calibri"/>
+                <a:cs typeface="Calibri"/>
+                <a:sym typeface="Calibri"/>
               </a:rPr>
               <a:t>RQ</a:t>
             </a:r>
             <a:r>
-              <a:rPr lang="en-US" sz="3500" dirty="0">
-                <a:solidFill>
-                  <a:schemeClr val="accent1">
-                    <a:lumMod val="50000"/>
-                  </a:schemeClr>
-                </a:solidFill>
-                <a:latin typeface="Arial"/>
-                <a:ea typeface="Arial"/>
-                <a:cs typeface="Arial"/>
-                <a:sym typeface="Arial"/>
+              <a:rPr lang="en-US" sz="3500">
+                <a:solidFill>
+                  <a:srgbClr val="1E4E79"/>
+                </a:solidFill>
+                <a:latin typeface="Calibri"/>
+                <a:ea typeface="Calibri"/>
+                <a:cs typeface="Calibri"/>
+                <a:sym typeface="Calibri"/>
               </a:rPr>
-              <a:t>:</a:t>
+              <a:t>: The goal of our study is to attempt to improve the questionnaire used in Forster et al. 2017 paper, and ultimately check once the measurement tool is improved, whether the result would still remain counterintuitive. </a:t>
             </a:r>
-            <a:r>
-              <a:rPr lang="en-US" sz="3500" dirty="0">
-                <a:solidFill>
-                  <a:schemeClr val="accent1">
-                    <a:lumMod val="50000"/>
-                  </a:schemeClr>
-                </a:solidFill>
-                <a:effectLst/>
-                <a:latin typeface="Calibri" panose="020F0502020204030204" pitchFamily="34" charset="0"/>
-                <a:ea typeface="Times New Roman" panose="02020603050405020304" pitchFamily="18" charset="0"/>
-                <a:cs typeface="Calibri" panose="020F0502020204030204" pitchFamily="34" charset="0"/>
-              </a:rPr>
-              <a:t> The goal of our study is to attempt to improve the questionnaire used in Forster et al. 2017 paper, and ultimately check once the measurement tool is improved, whether the result would still remain counterintuitive. </a:t>
-            </a:r>
-            <a:endParaRPr lang="en-US" sz="3500" dirty="0">
+            <a:endParaRPr sz="3500">
               <a:solidFill>
-                <a:schemeClr val="accent1">
-                  <a:lumMod val="50000"/>
-                </a:schemeClr>
+                <a:srgbClr val="1E4E79"/>
               </a:solidFill>
-              <a:effectLst/>
-              <a:latin typeface="Calibri" panose="020F0502020204030204" pitchFamily="34" charset="0"/>
-              <a:ea typeface="DengXian" panose="02010600030101010101" pitchFamily="2" charset="-122"/>
-              <a:cs typeface="Times New Roman" panose="02020603050405020304" pitchFamily="18" charset="0"/>
+              <a:latin typeface="Calibri"/>
+              <a:ea typeface="Calibri"/>
+              <a:cs typeface="Calibri"/>
+              <a:sym typeface="Calibri"/>
             </a:endParaRPr>
           </a:p>
           <a:p>
@@ -8131,16 +8367,181 @@
               <a:buSzPts val="3600"/>
               <a:buNone/>
             </a:pPr>
-            <a:endParaRPr sz="3500" dirty="0">
+            <a:r>
+              <a:rPr lang="en-US" sz="3500">
+                <a:solidFill>
+                  <a:srgbClr val="1E4E79"/>
+                </a:solidFill>
+                <a:latin typeface="Calibri"/>
+                <a:ea typeface="Calibri"/>
+                <a:cs typeface="Calibri"/>
+                <a:sym typeface="Calibri"/>
+              </a:rPr>
+              <a:t>Hypothesis:</a:t>
+            </a:r>
+            <a:endParaRPr sz="3500">
               <a:solidFill>
-                <a:schemeClr val="accent1">
-                  <a:lumMod val="50000"/>
-                </a:schemeClr>
+                <a:srgbClr val="1E4E79"/>
               </a:solidFill>
-              <a:latin typeface="Arial"/>
-              <a:ea typeface="Arial"/>
-              <a:cs typeface="Arial"/>
-              <a:sym typeface="Arial"/>
+              <a:latin typeface="Calibri"/>
+              <a:ea typeface="Calibri"/>
+              <a:cs typeface="Calibri"/>
+              <a:sym typeface="Calibri"/>
+            </a:endParaRPr>
+          </a:p>
+          <a:p>
+            <a:pPr marL="0" lvl="0" indent="0" algn="l" rtl="0">
+              <a:spcBef>
+                <a:spcPts val="1800"/>
+              </a:spcBef>
+              <a:spcAft>
+                <a:spcPts val="0"/>
+              </a:spcAft>
+              <a:buClr>
+                <a:schemeClr val="dk1"/>
+              </a:buClr>
+              <a:buSzPts val="1100"/>
+              <a:buFont typeface="Arial"/>
+              <a:buNone/>
+            </a:pPr>
+            <a:r>
+              <a:rPr lang="en-US" sz="3500" b="1">
+                <a:solidFill>
+                  <a:srgbClr val="1E4E79"/>
+                </a:solidFill>
+                <a:latin typeface="Calibri"/>
+                <a:ea typeface="Calibri"/>
+                <a:cs typeface="Calibri"/>
+                <a:sym typeface="Calibri"/>
+              </a:rPr>
+              <a:t>We expect to find an interaction</a:t>
+            </a:r>
+            <a:r>
+              <a:rPr lang="en-US" sz="3500">
+                <a:solidFill>
+                  <a:srgbClr val="1E4E79"/>
+                </a:solidFill>
+                <a:latin typeface="Calibri"/>
+                <a:ea typeface="Calibri"/>
+                <a:cs typeface="Calibri"/>
+                <a:sym typeface="Calibri"/>
+              </a:rPr>
+              <a:t>, such that gratefulness does not differ between targets (as found by Forster et al. 2017) but that both desire to reciprocate and obligation to reciprocate) do differ between targets; specifically, the desire and obligation to reciprocate a stranger’s favor is greater than for a friend’s favor.</a:t>
+            </a:r>
+            <a:endParaRPr sz="3500">
+              <a:solidFill>
+                <a:srgbClr val="1E4E79"/>
+              </a:solidFill>
+              <a:latin typeface="Calibri"/>
+              <a:ea typeface="Calibri"/>
+              <a:cs typeface="Calibri"/>
+              <a:sym typeface="Calibri"/>
+            </a:endParaRPr>
+          </a:p>
+          <a:p>
+            <a:pPr marL="0" lvl="0" indent="0" algn="l" rtl="0">
+              <a:spcBef>
+                <a:spcPts val="1800"/>
+              </a:spcBef>
+              <a:spcAft>
+                <a:spcPts val="0"/>
+              </a:spcAft>
+              <a:buClr>
+                <a:schemeClr val="dk1"/>
+              </a:buClr>
+              <a:buSzPts val="1100"/>
+              <a:buFont typeface="Arial"/>
+              <a:buNone/>
+            </a:pPr>
+            <a:endParaRPr sz="3500">
+              <a:solidFill>
+                <a:srgbClr val="1E4E79"/>
+              </a:solidFill>
+              <a:latin typeface="Calibri"/>
+              <a:ea typeface="Calibri"/>
+              <a:cs typeface="Calibri"/>
+              <a:sym typeface="Calibri"/>
+            </a:endParaRPr>
+          </a:p>
+          <a:p>
+            <a:pPr marL="0" lvl="0" indent="0" algn="l" rtl="0">
+              <a:lnSpc>
+                <a:spcPct val="90000"/>
+              </a:lnSpc>
+              <a:spcBef>
+                <a:spcPts val="1800"/>
+              </a:spcBef>
+              <a:spcAft>
+                <a:spcPts val="0"/>
+              </a:spcAft>
+              <a:buClr>
+                <a:srgbClr val="1F4E79"/>
+              </a:buClr>
+              <a:buSzPts val="3600"/>
+              <a:buNone/>
+            </a:pPr>
+            <a:endParaRPr sz="3500">
+              <a:solidFill>
+                <a:srgbClr val="1E4E79"/>
+              </a:solidFill>
+              <a:latin typeface="Calibri"/>
+              <a:ea typeface="Calibri"/>
+              <a:cs typeface="Calibri"/>
+              <a:sym typeface="Calibri"/>
+            </a:endParaRPr>
+          </a:p>
+          <a:p>
+            <a:pPr marL="0" lvl="0" indent="0" algn="l" rtl="0">
+              <a:lnSpc>
+                <a:spcPct val="90000"/>
+              </a:lnSpc>
+              <a:spcBef>
+                <a:spcPts val="1800"/>
+              </a:spcBef>
+              <a:spcAft>
+                <a:spcPts val="0"/>
+              </a:spcAft>
+              <a:buClr>
+                <a:srgbClr val="1F4E79"/>
+              </a:buClr>
+              <a:buSzPts val="3600"/>
+              <a:buNone/>
+            </a:pPr>
+            <a:endParaRPr sz="3500">
+              <a:solidFill>
+                <a:srgbClr val="1E4E79"/>
+              </a:solidFill>
+              <a:latin typeface="Calibri"/>
+              <a:ea typeface="Calibri"/>
+              <a:cs typeface="Calibri"/>
+              <a:sym typeface="Calibri"/>
+            </a:endParaRPr>
+          </a:p>
+          <a:p>
+            <a:pPr marL="0" lvl="0" indent="0" algn="l" rtl="0">
+              <a:lnSpc>
+                <a:spcPct val="90000"/>
+              </a:lnSpc>
+              <a:spcBef>
+                <a:spcPts val="1800"/>
+              </a:spcBef>
+              <a:spcAft>
+                <a:spcPts val="0"/>
+              </a:spcAft>
+              <a:buClr>
+                <a:srgbClr val="1F4E79"/>
+              </a:buClr>
+              <a:buSzPts val="3600"/>
+              <a:buNone/>
+            </a:pPr>
+            <a:endParaRPr sz="3500">
+              <a:solidFill>
+                <a:srgbClr val="1E4E79"/>
+              </a:solidFill>
+              <a:latin typeface="Calibri"/>
+              <a:ea typeface="Calibri"/>
+              <a:cs typeface="Calibri"/>
+              <a:sym typeface="Calibri"/>
             </a:endParaRPr>
           </a:p>
         </p:txBody>
@@ -8157,8 +8558,8 @@
         </p:nvSpPr>
         <p:spPr>
           <a:xfrm>
-            <a:off x="14980050" y="28764049"/>
-            <a:ext cx="14630400" cy="1292611"/>
+            <a:off x="32245713" y="26507312"/>
+            <a:ext cx="11849100" cy="4155900"/>
           </a:xfrm>
           <a:prstGeom prst="rect">
             <a:avLst/>
@@ -8174,7 +8575,7 @@
           </a:bodyPr>
           <a:lstStyle/>
           <a:p>
-            <a:pPr marL="330200" lvl="0" indent="-333375" algn="l" rtl="0">
+            <a:pPr marL="330200" lvl="0" indent="-342900" algn="l" rtl="0">
               <a:lnSpc>
                 <a:spcPct val="100000"/>
               </a:lnSpc>
@@ -8187,85 +8588,469 @@
               <a:buClr>
                 <a:srgbClr val="1E4E79"/>
               </a:buClr>
-              <a:buSzPts val="1800"/>
+              <a:buSzPts val="2000"/>
+              <a:buFont typeface="Calibri"/>
               <a:buAutoNum type="arabicPeriod"/>
             </a:pPr>
             <a:r>
-              <a:rPr lang="en-US" sz="1800" b="0" i="0" dirty="0">
-                <a:solidFill>
-                  <a:srgbClr val="222222"/>
-                </a:solidFill>
-                <a:effectLst/>
-                <a:latin typeface="Arial" panose="020B0604020202020204" pitchFamily="34" charset="0"/>
+              <a:rPr lang="en-US" sz="2000" i="0">
+                <a:solidFill>
+                  <a:srgbClr val="1E4E79"/>
+                </a:solidFill>
+                <a:latin typeface="Calibri"/>
+                <a:ea typeface="Calibri"/>
+                <a:cs typeface="Calibri"/>
+                <a:sym typeface="Calibri"/>
               </a:rPr>
               <a:t>Forster, D. E., Pedersen, E. J., Smith, A., McCullough, M. E., &amp; Lieberman, D. (2017). Benefit valuation predicts gratitude. </a:t>
             </a:r>
             <a:r>
-              <a:rPr lang="en-US" sz="1800" b="0" i="1" dirty="0">
-                <a:solidFill>
-                  <a:srgbClr val="222222"/>
-                </a:solidFill>
-                <a:effectLst/>
-                <a:latin typeface="Arial" panose="020B0604020202020204" pitchFamily="34" charset="0"/>
+              <a:rPr lang="en-US" sz="2000" i="1">
+                <a:solidFill>
+                  <a:srgbClr val="1E4E79"/>
+                </a:solidFill>
+                <a:latin typeface="Calibri"/>
+                <a:ea typeface="Calibri"/>
+                <a:cs typeface="Calibri"/>
+                <a:sym typeface="Calibri"/>
               </a:rPr>
               <a:t>Evolution and Human Behavior</a:t>
             </a:r>
             <a:r>
-              <a:rPr lang="en-US" sz="1800" b="0" i="0" dirty="0">
-                <a:solidFill>
-                  <a:srgbClr val="222222"/>
-                </a:solidFill>
-                <a:effectLst/>
-                <a:latin typeface="Arial" panose="020B0604020202020204" pitchFamily="34" charset="0"/>
+              <a:rPr lang="en-US" sz="2000" i="0">
+                <a:solidFill>
+                  <a:srgbClr val="1E4E79"/>
+                </a:solidFill>
+                <a:latin typeface="Calibri"/>
+                <a:ea typeface="Calibri"/>
+                <a:cs typeface="Calibri"/>
+                <a:sym typeface="Calibri"/>
               </a:rPr>
               <a:t>, </a:t>
             </a:r>
             <a:r>
-              <a:rPr lang="en-US" sz="1800" b="0" i="1" dirty="0">
-                <a:solidFill>
-                  <a:srgbClr val="222222"/>
-                </a:solidFill>
-                <a:effectLst/>
-                <a:latin typeface="Arial" panose="020B0604020202020204" pitchFamily="34" charset="0"/>
+              <a:rPr lang="en-US" sz="2000" i="1">
+                <a:solidFill>
+                  <a:srgbClr val="1E4E79"/>
+                </a:solidFill>
+                <a:latin typeface="Calibri"/>
+                <a:ea typeface="Calibri"/>
+                <a:cs typeface="Calibri"/>
+                <a:sym typeface="Calibri"/>
               </a:rPr>
               <a:t>38</a:t>
             </a:r>
             <a:r>
-              <a:rPr lang="en-US" sz="1800" b="0" i="0" dirty="0">
-                <a:solidFill>
-                  <a:srgbClr val="222222"/>
-                </a:solidFill>
-                <a:effectLst/>
-                <a:latin typeface="Arial" panose="020B0604020202020204" pitchFamily="34" charset="0"/>
+              <a:rPr lang="en-US" sz="2000" i="0">
+                <a:solidFill>
+                  <a:srgbClr val="1E4E79"/>
+                </a:solidFill>
+                <a:latin typeface="Calibri"/>
+                <a:ea typeface="Calibri"/>
+                <a:cs typeface="Calibri"/>
+                <a:sym typeface="Calibri"/>
               </a:rPr>
               <a:t>(1), 18-26.</a:t>
             </a:r>
-          </a:p>
-          <a:p>
-            <a:pPr marL="330200" lvl="0" indent="-333375" algn="l" rtl="0">
-              <a:lnSpc>
-                <a:spcPct val="100000"/>
-              </a:lnSpc>
-              <a:spcBef>
-                <a:spcPts val="0"/>
-              </a:spcBef>
-              <a:spcAft>
-                <a:spcPts val="0"/>
-              </a:spcAft>
-              <a:buClr>
-                <a:srgbClr val="1E4E79"/>
-              </a:buClr>
-              <a:buSzPts val="1800"/>
-              <a:buAutoNum type="arabicPeriod"/>
-            </a:pPr>
-            <a:endParaRPr lang="en-US" sz="1800" dirty="0">
+            <a:endParaRPr sz="2000" i="0">
               <a:solidFill>
                 <a:srgbClr val="1E4E79"/>
               </a:solidFill>
-              <a:latin typeface="Arial"/>
-              <a:ea typeface="Arial"/>
-              <a:cs typeface="Arial"/>
-              <a:sym typeface="Arial"/>
+              <a:latin typeface="Calibri"/>
+              <a:ea typeface="Calibri"/>
+              <a:cs typeface="Calibri"/>
+              <a:sym typeface="Calibri"/>
+            </a:endParaRPr>
+          </a:p>
+          <a:p>
+            <a:pPr marL="330200" lvl="0" indent="-342900" algn="l" rtl="0">
+              <a:lnSpc>
+                <a:spcPct val="100000"/>
+              </a:lnSpc>
+              <a:spcBef>
+                <a:spcPts val="0"/>
+              </a:spcBef>
+              <a:spcAft>
+                <a:spcPts val="0"/>
+              </a:spcAft>
+              <a:buClr>
+                <a:srgbClr val="1E4E79"/>
+              </a:buClr>
+              <a:buSzPts val="2000"/>
+              <a:buFont typeface="Calibri"/>
+              <a:buAutoNum type="arabicPeriod"/>
+            </a:pPr>
+            <a:r>
+              <a:rPr lang="en-US" sz="2000">
+                <a:solidFill>
+                  <a:srgbClr val="1E4E79"/>
+                </a:solidFill>
+                <a:highlight>
+                  <a:srgbClr val="FFFFFF"/>
+                </a:highlight>
+                <a:latin typeface="Calibri"/>
+                <a:ea typeface="Calibri"/>
+                <a:cs typeface="Calibri"/>
+                <a:sym typeface="Calibri"/>
+              </a:rPr>
+              <a:t>Zhang, J. (2023). A neurocomputational variable on welfare tradeoffs explains the function and form of cyberaggression. </a:t>
+            </a:r>
+            <a:r>
+              <a:rPr lang="en-US" sz="2000" i="1">
+                <a:solidFill>
+                  <a:srgbClr val="1E4E79"/>
+                </a:solidFill>
+                <a:highlight>
+                  <a:srgbClr val="FFFFFF"/>
+                </a:highlight>
+                <a:latin typeface="Calibri"/>
+                <a:ea typeface="Calibri"/>
+                <a:cs typeface="Calibri"/>
+                <a:sym typeface="Calibri"/>
+              </a:rPr>
+              <a:t>Frontiers in Behavioral Neuroscience</a:t>
+            </a:r>
+            <a:r>
+              <a:rPr lang="en-US" sz="2000">
+                <a:solidFill>
+                  <a:srgbClr val="1E4E79"/>
+                </a:solidFill>
+                <a:highlight>
+                  <a:srgbClr val="FFFFFF"/>
+                </a:highlight>
+                <a:latin typeface="Calibri"/>
+                <a:ea typeface="Calibri"/>
+                <a:cs typeface="Calibri"/>
+                <a:sym typeface="Calibri"/>
+              </a:rPr>
+              <a:t>, </a:t>
+            </a:r>
+            <a:r>
+              <a:rPr lang="en-US" sz="2000" i="1">
+                <a:solidFill>
+                  <a:srgbClr val="1E4E79"/>
+                </a:solidFill>
+                <a:highlight>
+                  <a:srgbClr val="FFFFFF"/>
+                </a:highlight>
+                <a:latin typeface="Calibri"/>
+                <a:ea typeface="Calibri"/>
+                <a:cs typeface="Calibri"/>
+                <a:sym typeface="Calibri"/>
+              </a:rPr>
+              <a:t>17</a:t>
+            </a:r>
+            <a:r>
+              <a:rPr lang="en-US" sz="2000">
+                <a:solidFill>
+                  <a:srgbClr val="1E4E79"/>
+                </a:solidFill>
+                <a:highlight>
+                  <a:srgbClr val="FFFFFF"/>
+                </a:highlight>
+                <a:latin typeface="Calibri"/>
+                <a:ea typeface="Calibri"/>
+                <a:cs typeface="Calibri"/>
+                <a:sym typeface="Calibri"/>
+              </a:rPr>
+              <a:t>, 1034564.</a:t>
+            </a:r>
+            <a:endParaRPr sz="2000">
+              <a:solidFill>
+                <a:srgbClr val="1E4E79"/>
+              </a:solidFill>
+              <a:highlight>
+                <a:srgbClr val="FFFFFF"/>
+              </a:highlight>
+              <a:latin typeface="Calibri"/>
+              <a:ea typeface="Calibri"/>
+              <a:cs typeface="Calibri"/>
+              <a:sym typeface="Calibri"/>
+            </a:endParaRPr>
+          </a:p>
+          <a:p>
+            <a:pPr marL="330200" lvl="0" indent="-342900" algn="l" rtl="0">
+              <a:lnSpc>
+                <a:spcPct val="100000"/>
+              </a:lnSpc>
+              <a:spcBef>
+                <a:spcPts val="0"/>
+              </a:spcBef>
+              <a:spcAft>
+                <a:spcPts val="0"/>
+              </a:spcAft>
+              <a:buClr>
+                <a:srgbClr val="1E4E79"/>
+              </a:buClr>
+              <a:buSzPts val="2000"/>
+              <a:buFont typeface="Calibri"/>
+              <a:buAutoNum type="arabicPeriod"/>
+            </a:pPr>
+            <a:r>
+              <a:rPr lang="en-US" sz="2000">
+                <a:solidFill>
+                  <a:srgbClr val="1E4E79"/>
+                </a:solidFill>
+                <a:highlight>
+                  <a:srgbClr val="FFFFFF"/>
+                </a:highlight>
+                <a:latin typeface="Calibri"/>
+                <a:ea typeface="Calibri"/>
+                <a:cs typeface="Calibri"/>
+                <a:sym typeface="Calibri"/>
+              </a:rPr>
+              <a:t>Hartig, B. (2011). </a:t>
+            </a:r>
+            <a:r>
+              <a:rPr lang="en-US" sz="2000" i="1">
+                <a:solidFill>
+                  <a:srgbClr val="1E4E79"/>
+                </a:solidFill>
+                <a:highlight>
+                  <a:srgbClr val="FFFFFF"/>
+                </a:highlight>
+                <a:latin typeface="Calibri"/>
+                <a:ea typeface="Calibri"/>
+                <a:cs typeface="Calibri"/>
+                <a:sym typeface="Calibri"/>
+              </a:rPr>
+              <a:t>A Welfare-Tradeoff-Ratio-Model of Social Preferences</a:t>
+            </a:r>
+            <a:r>
+              <a:rPr lang="en-US" sz="2000">
+                <a:solidFill>
+                  <a:srgbClr val="1E4E79"/>
+                </a:solidFill>
+                <a:highlight>
+                  <a:srgbClr val="FFFFFF"/>
+                </a:highlight>
+                <a:latin typeface="Calibri"/>
+                <a:ea typeface="Calibri"/>
+                <a:cs typeface="Calibri"/>
+                <a:sym typeface="Calibri"/>
+              </a:rPr>
+              <a:t> (No. 02-05). Cologne Graduate School in Management, Economics and Social Sciences.</a:t>
+            </a:r>
+            <a:endParaRPr sz="2000">
+              <a:solidFill>
+                <a:srgbClr val="1E4E79"/>
+              </a:solidFill>
+              <a:highlight>
+                <a:srgbClr val="FFFFFF"/>
+              </a:highlight>
+              <a:latin typeface="Calibri"/>
+              <a:ea typeface="Calibri"/>
+              <a:cs typeface="Calibri"/>
+              <a:sym typeface="Calibri"/>
+            </a:endParaRPr>
+          </a:p>
+          <a:p>
+            <a:pPr marL="330200" lvl="0" indent="-342900" algn="l" rtl="0">
+              <a:lnSpc>
+                <a:spcPct val="100000"/>
+              </a:lnSpc>
+              <a:spcBef>
+                <a:spcPts val="0"/>
+              </a:spcBef>
+              <a:spcAft>
+                <a:spcPts val="0"/>
+              </a:spcAft>
+              <a:buClr>
+                <a:srgbClr val="1E4E79"/>
+              </a:buClr>
+              <a:buSzPts val="2000"/>
+              <a:buFont typeface="Calibri"/>
+              <a:buAutoNum type="arabicPeriod"/>
+            </a:pPr>
+            <a:r>
+              <a:rPr lang="en-US" sz="2000">
+                <a:solidFill>
+                  <a:srgbClr val="1E4E79"/>
+                </a:solidFill>
+                <a:highlight>
+                  <a:srgbClr val="FFFFFF"/>
+                </a:highlight>
+                <a:latin typeface="Calibri"/>
+                <a:ea typeface="Calibri"/>
+                <a:cs typeface="Calibri"/>
+                <a:sym typeface="Calibri"/>
+              </a:rPr>
+              <a:t>Tooby, J., Cosmides, L., Sell, A., Lieberman, D., &amp; Sznycer, D. (2008). Internal regulatory variables and the design of human motivation: A computational and evolutionary approach. </a:t>
+            </a:r>
+            <a:r>
+              <a:rPr lang="en-US" sz="2000" i="1">
+                <a:solidFill>
+                  <a:srgbClr val="1E4E79"/>
+                </a:solidFill>
+                <a:highlight>
+                  <a:srgbClr val="FFFFFF"/>
+                </a:highlight>
+                <a:latin typeface="Calibri"/>
+                <a:ea typeface="Calibri"/>
+                <a:cs typeface="Calibri"/>
+                <a:sym typeface="Calibri"/>
+              </a:rPr>
+              <a:t>Handbook of approach and avoidance motivation</a:t>
+            </a:r>
+            <a:r>
+              <a:rPr lang="en-US" sz="2000">
+                <a:solidFill>
+                  <a:srgbClr val="1E4E79"/>
+                </a:solidFill>
+                <a:highlight>
+                  <a:srgbClr val="FFFFFF"/>
+                </a:highlight>
+                <a:latin typeface="Calibri"/>
+                <a:ea typeface="Calibri"/>
+                <a:cs typeface="Calibri"/>
+                <a:sym typeface="Calibri"/>
+              </a:rPr>
+              <a:t>, </a:t>
+            </a:r>
+            <a:r>
+              <a:rPr lang="en-US" sz="2000" i="1">
+                <a:solidFill>
+                  <a:srgbClr val="1E4E79"/>
+                </a:solidFill>
+                <a:highlight>
+                  <a:srgbClr val="FFFFFF"/>
+                </a:highlight>
+                <a:latin typeface="Calibri"/>
+                <a:ea typeface="Calibri"/>
+                <a:cs typeface="Calibri"/>
+                <a:sym typeface="Calibri"/>
+              </a:rPr>
+              <a:t>15</a:t>
+            </a:r>
+            <a:r>
+              <a:rPr lang="en-US" sz="2000">
+                <a:solidFill>
+                  <a:srgbClr val="1E4E79"/>
+                </a:solidFill>
+                <a:highlight>
+                  <a:srgbClr val="FFFFFF"/>
+                </a:highlight>
+                <a:latin typeface="Calibri"/>
+                <a:ea typeface="Calibri"/>
+                <a:cs typeface="Calibri"/>
+                <a:sym typeface="Calibri"/>
+              </a:rPr>
+              <a:t>, 251.</a:t>
+            </a:r>
+            <a:endParaRPr sz="2000">
+              <a:solidFill>
+                <a:srgbClr val="1E4E79"/>
+              </a:solidFill>
+              <a:highlight>
+                <a:srgbClr val="FFFFFF"/>
+              </a:highlight>
+              <a:latin typeface="Calibri"/>
+              <a:ea typeface="Calibri"/>
+              <a:cs typeface="Calibri"/>
+              <a:sym typeface="Calibri"/>
+            </a:endParaRPr>
+          </a:p>
+          <a:p>
+            <a:pPr marL="330200" lvl="0" indent="-342900" algn="l" rtl="0">
+              <a:lnSpc>
+                <a:spcPct val="100000"/>
+              </a:lnSpc>
+              <a:spcBef>
+                <a:spcPts val="0"/>
+              </a:spcBef>
+              <a:spcAft>
+                <a:spcPts val="0"/>
+              </a:spcAft>
+              <a:buClr>
+                <a:srgbClr val="1E4E79"/>
+              </a:buClr>
+              <a:buSzPts val="2000"/>
+              <a:buFont typeface="Calibri"/>
+              <a:buAutoNum type="arabicPeriod"/>
+            </a:pPr>
+            <a:r>
+              <a:rPr lang="en-US" sz="2000">
+                <a:solidFill>
+                  <a:srgbClr val="1E4E79"/>
+                </a:solidFill>
+                <a:highlight>
+                  <a:srgbClr val="FFFFFF"/>
+                </a:highlight>
+                <a:latin typeface="Calibri"/>
+                <a:ea typeface="Calibri"/>
+                <a:cs typeface="Calibri"/>
+                <a:sym typeface="Calibri"/>
+              </a:rPr>
+              <a:t>Algina, J., &amp; Penfield, R. D. (2009). Classical test theory. </a:t>
+            </a:r>
+            <a:r>
+              <a:rPr lang="en-US" sz="2000" i="1">
+                <a:solidFill>
+                  <a:srgbClr val="1E4E79"/>
+                </a:solidFill>
+                <a:highlight>
+                  <a:srgbClr val="FFFFFF"/>
+                </a:highlight>
+                <a:latin typeface="Calibri"/>
+                <a:ea typeface="Calibri"/>
+                <a:cs typeface="Calibri"/>
+                <a:sym typeface="Calibri"/>
+              </a:rPr>
+              <a:t>The Sage handbook of quantitative methods in psychology</a:t>
+            </a:r>
+            <a:r>
+              <a:rPr lang="en-US" sz="2000">
+                <a:solidFill>
+                  <a:srgbClr val="1E4E79"/>
+                </a:solidFill>
+                <a:highlight>
+                  <a:srgbClr val="FFFFFF"/>
+                </a:highlight>
+                <a:latin typeface="Calibri"/>
+                <a:ea typeface="Calibri"/>
+                <a:cs typeface="Calibri"/>
+                <a:sym typeface="Calibri"/>
+              </a:rPr>
+              <a:t>, 93-122.</a:t>
+            </a:r>
+            <a:endParaRPr sz="2000">
+              <a:solidFill>
+                <a:srgbClr val="1E4E79"/>
+              </a:solidFill>
+              <a:highlight>
+                <a:srgbClr val="FFFFFF"/>
+              </a:highlight>
+              <a:latin typeface="Calibri"/>
+              <a:ea typeface="Calibri"/>
+              <a:cs typeface="Calibri"/>
+              <a:sym typeface="Calibri"/>
+            </a:endParaRPr>
+          </a:p>
+          <a:p>
+            <a:pPr marL="330200" lvl="0" indent="-215900" algn="l" rtl="0">
+              <a:lnSpc>
+                <a:spcPct val="100000"/>
+              </a:lnSpc>
+              <a:spcBef>
+                <a:spcPts val="0"/>
+              </a:spcBef>
+              <a:spcAft>
+                <a:spcPts val="0"/>
+              </a:spcAft>
+              <a:buClr>
+                <a:srgbClr val="1E4E79"/>
+              </a:buClr>
+              <a:buSzPts val="1800"/>
+              <a:buNone/>
+            </a:pPr>
+            <a:endParaRPr sz="2000">
+              <a:solidFill>
+                <a:srgbClr val="1E4E79"/>
+              </a:solidFill>
+              <a:latin typeface="Calibri"/>
+              <a:ea typeface="Calibri"/>
+              <a:cs typeface="Calibri"/>
+              <a:sym typeface="Calibri"/>
             </a:endParaRPr>
           </a:p>
         </p:txBody>
@@ -8282,8 +9067,8 @@
         </p:nvSpPr>
         <p:spPr>
           <a:xfrm>
-            <a:off x="38663275" y="1259142"/>
-            <a:ext cx="3684900" cy="1615776"/>
+            <a:off x="39116925" y="1250575"/>
+            <a:ext cx="3684900" cy="1616100"/>
           </a:xfrm>
           <a:prstGeom prst="rect">
             <a:avLst/>
@@ -8316,7 +9101,7 @@
               <a:buNone/>
             </a:pPr>
             <a:r>
-              <a:rPr lang="en-US" sz="2500" i="0" u="none" dirty="0">
+              <a:rPr lang="en-US" sz="2500" i="0" u="none">
                 <a:solidFill>
                   <a:srgbClr val="1F4E79"/>
                 </a:solidFill>
@@ -8325,22 +9110,10 @@
                 <a:cs typeface="Arial"/>
                 <a:sym typeface="Arial"/>
               </a:rPr>
-              <a:t>Correspondence to: </a:t>
+              <a:t>Correspondence to: Qizhou</a:t>
             </a:r>
             <a:r>
-              <a:rPr lang="en-US" sz="2500" i="0" u="none" dirty="0" err="1">
-                <a:solidFill>
-                  <a:srgbClr val="1F4E79"/>
-                </a:solidFill>
-                <a:latin typeface="Arial"/>
-                <a:ea typeface="Arial"/>
-                <a:cs typeface="Arial"/>
-                <a:sym typeface="Arial"/>
-              </a:rPr>
-              <a:t>Qizhou</a:t>
-            </a:r>
-            <a:r>
-              <a:rPr lang="en-US" sz="2500" dirty="0">
+              <a:rPr lang="en-US" sz="2500">
                 <a:solidFill>
                   <a:srgbClr val="1F4E79"/>
                 </a:solidFill>
@@ -8352,7 +9125,7 @@
               <a:t> </a:t>
             </a:r>
             <a:r>
-              <a:rPr lang="en-US" sz="2500" i="0" u="none" dirty="0">
+              <a:rPr lang="en-US" sz="2500" i="0" u="none">
                 <a:solidFill>
                   <a:srgbClr val="1F4E79"/>
                 </a:solidFill>
@@ -8364,7 +9137,7 @@
               <a:t>Duan (</a:t>
             </a:r>
             <a:r>
-              <a:rPr lang="en-US" sz="2500" i="0" u="none" dirty="0" err="1">
+              <a:rPr lang="en-US" sz="2500">
                 <a:solidFill>
                   <a:srgbClr val="1F4E79"/>
                 </a:solidFill>
@@ -8373,10 +9146,10 @@
                 <a:cs typeface="Arial"/>
                 <a:sym typeface="Arial"/>
               </a:rPr>
-              <a:t>qduan@nd.edu</a:t>
+              <a:t>qduan</a:t>
             </a:r>
             <a:r>
-              <a:rPr lang="en-US" sz="2500" i="0" u="none" dirty="0">
+              <a:rPr lang="en-US" sz="2500" i="0" u="none">
                 <a:solidFill>
                   <a:srgbClr val="1F4E79"/>
                 </a:solidFill>
@@ -8385,9 +9158,9 @@
                 <a:cs typeface="Arial"/>
                 <a:sym typeface="Arial"/>
               </a:rPr>
-              <a:t>)</a:t>
+              <a:t>@nd.edu)</a:t>
             </a:r>
-            <a:endParaRPr sz="2300" dirty="0">
+            <a:endParaRPr sz="2300">
               <a:latin typeface="Arial"/>
               <a:ea typeface="Arial"/>
               <a:cs typeface="Arial"/>
@@ -8444,7 +9217,7 @@
               <a:buNone/>
             </a:pPr>
             <a:r>
-              <a:rPr lang="en-US" sz="4000" b="1" dirty="0">
+              <a:rPr lang="en-US" sz="4000" b="1">
                 <a:solidFill>
                   <a:srgbClr val="FFFFFF"/>
                 </a:solidFill>
@@ -8455,7 +9228,7 @@
               </a:rPr>
               <a:t>RESULTS</a:t>
             </a:r>
-            <a:endParaRPr dirty="0">
+            <a:endParaRPr>
               <a:latin typeface="Arial"/>
               <a:ea typeface="Arial"/>
               <a:cs typeface="Arial"/>
@@ -8476,8 +9249,8 @@
         </p:nvSpPr>
         <p:spPr>
           <a:xfrm>
-            <a:off x="30094800" y="13855274"/>
-            <a:ext cx="13944600" cy="804600"/>
+            <a:off x="30714975" y="17842050"/>
+            <a:ext cx="13269000" cy="804600"/>
           </a:xfrm>
           <a:prstGeom prst="rect">
             <a:avLst/>
@@ -8512,7 +9285,7 @@
               <a:buNone/>
             </a:pPr>
             <a:r>
-              <a:rPr lang="en-US" sz="4000" b="1">
+              <a:rPr lang="en-US" sz="4000" b="1" i="0" u="none">
                 <a:solidFill>
                   <a:srgbClr val="FFFFFF"/>
                 </a:solidFill>
@@ -8521,19 +9294,7 @@
                 <a:cs typeface="Arial"/>
                 <a:sym typeface="Arial"/>
               </a:rPr>
-              <a:t>SUMMARY AND </a:t>
-            </a:r>
-            <a:r>
-              <a:rPr lang="en-US" sz="4000" b="1" i="0" u="none">
-                <a:solidFill>
-                  <a:srgbClr val="FFFFFF"/>
-                </a:solidFill>
-                <a:latin typeface="Arial"/>
-                <a:ea typeface="Arial"/>
-                <a:cs typeface="Arial"/>
-                <a:sym typeface="Arial"/>
-              </a:rPr>
-              <a:t>DISCUSSION</a:t>
+              <a:t>DISCUSSION &amp; Future Directions</a:t>
             </a:r>
             <a:endParaRPr>
               <a:latin typeface="Arial"/>
@@ -8556,8 +9317,8 @@
         </p:nvSpPr>
         <p:spPr>
           <a:xfrm>
-            <a:off x="15134100" y="27894315"/>
-            <a:ext cx="14630400" cy="685800"/>
+            <a:off x="30714875" y="25396600"/>
+            <a:ext cx="13269000" cy="800400"/>
           </a:xfrm>
           <a:prstGeom prst="rect">
             <a:avLst/>
@@ -8614,13 +9375,13 @@
       </p:sp>
       <p:sp>
         <p:nvSpPr>
-          <p:cNvPr id="49" name="Google Shape;49;g2492f7694c2_0_0"/>
+          <p:cNvPr id="48" name="Google Shape;48;g2492f7694c2_0_0"/>
           <p:cNvSpPr txBox="1"/>
           <p:nvPr/>
         </p:nvSpPr>
         <p:spPr>
           <a:xfrm>
-            <a:off x="-29113" y="18775974"/>
+            <a:off x="-89751" y="21744174"/>
             <a:ext cx="14630400" cy="800400"/>
           </a:xfrm>
           <a:prstGeom prst="rect">
@@ -8657,31 +9418,39 @@
               <a:buNone/>
             </a:pPr>
             <a:r>
-              <a:rPr lang="en-US" sz="4000" b="1" dirty="0">
+              <a:rPr lang="en-US" sz="4000" b="1" i="0" u="none" strike="noStrike" cap="none">
                 <a:solidFill>
                   <a:srgbClr val="FFFFFF"/>
                 </a:solidFill>
+                <a:latin typeface="Arial"/>
+                <a:ea typeface="Arial"/>
+                <a:cs typeface="Arial"/>
+                <a:sym typeface="Arial"/>
               </a:rPr>
               <a:t>Procedure</a:t>
             </a:r>
-            <a:endParaRPr sz="1400" i="0" u="none" strike="noStrike" cap="none" dirty="0">
+            <a:endParaRPr sz="1400" b="0" i="0" u="none" strike="noStrike" cap="none">
               <a:solidFill>
                 <a:srgbClr val="000000"/>
               </a:solidFill>
+              <a:latin typeface="Arial"/>
+              <a:ea typeface="Arial"/>
+              <a:cs typeface="Arial"/>
+              <a:sym typeface="Arial"/>
             </a:endParaRPr>
           </a:p>
         </p:txBody>
       </p:sp>
       <p:sp>
         <p:nvSpPr>
-          <p:cNvPr id="50" name="Google Shape;50;g2492f7694c2_0_0"/>
+          <p:cNvPr id="49" name="Google Shape;49;g2492f7694c2_0_0"/>
           <p:cNvSpPr txBox="1"/>
           <p:nvPr/>
         </p:nvSpPr>
         <p:spPr>
           <a:xfrm>
             <a:off x="-1742" y="13851074"/>
-            <a:ext cx="14867492" cy="804600"/>
+            <a:ext cx="14867400" cy="804600"/>
           </a:xfrm>
           <a:prstGeom prst="rect">
             <a:avLst/>
@@ -8717,24 +9486,32 @@
               <a:buNone/>
             </a:pPr>
             <a:r>
-              <a:rPr lang="en-US" sz="4000" b="1" i="0" u="none" strike="noStrike" cap="none" dirty="0">
+              <a:rPr lang="en-US" sz="4000" b="1" i="0" u="none" strike="noStrike" cap="none">
                 <a:solidFill>
                   <a:srgbClr val="FFFFFF"/>
                 </a:solidFill>
+                <a:latin typeface="Arial"/>
+                <a:ea typeface="Arial"/>
+                <a:cs typeface="Arial"/>
+                <a:sym typeface="Arial"/>
               </a:rPr>
               <a:t>RESEARCH QUESTION</a:t>
             </a:r>
-            <a:endParaRPr sz="1400" i="0" u="none" strike="noStrike" cap="none" dirty="0">
+            <a:endParaRPr sz="1400" b="0" i="0" u="none" strike="noStrike" cap="none">
               <a:solidFill>
                 <a:srgbClr val="000000"/>
               </a:solidFill>
+              <a:latin typeface="Arial"/>
+              <a:ea typeface="Arial"/>
+              <a:cs typeface="Arial"/>
+              <a:sym typeface="Arial"/>
             </a:endParaRPr>
           </a:p>
         </p:txBody>
       </p:sp>
       <p:sp>
         <p:nvSpPr>
-          <p:cNvPr id="51" name="Google Shape;51;g2492f7694c2_0_0"/>
+          <p:cNvPr id="50" name="Google Shape;50;g2492f7694c2_0_0"/>
           <p:cNvSpPr txBox="1"/>
           <p:nvPr/>
         </p:nvSpPr>
@@ -8781,13 +9558,277 @@
                 <a:solidFill>
                   <a:srgbClr val="FFFFFF"/>
                 </a:solidFill>
+                <a:latin typeface="Arial"/>
+                <a:ea typeface="Arial"/>
+                <a:cs typeface="Arial"/>
+                <a:sym typeface="Arial"/>
               </a:rPr>
               <a:t>INTRODUCTION </a:t>
             </a:r>
-            <a:endParaRPr sz="1400" i="0" u="none" strike="noStrike" cap="none">
+            <a:endParaRPr sz="1400" b="0" i="0" u="none" strike="noStrike" cap="none">
               <a:solidFill>
                 <a:srgbClr val="000000"/>
               </a:solidFill>
+              <a:latin typeface="Arial"/>
+              <a:ea typeface="Arial"/>
+              <a:cs typeface="Arial"/>
+              <a:sym typeface="Arial"/>
+            </a:endParaRPr>
+          </a:p>
+        </p:txBody>
+      </p:sp>
+      <p:sp>
+        <p:nvSpPr>
+          <p:cNvPr id="51" name="Google Shape;51;g2492f7694c2_0_0"/>
+          <p:cNvSpPr txBox="1">
+            <a:spLocks noGrp="1"/>
+          </p:cNvSpPr>
+          <p:nvPr>
+            <p:ph type="body" idx="8"/>
+          </p:nvPr>
+        </p:nvSpPr>
+        <p:spPr>
+          <a:xfrm>
+            <a:off x="6007525" y="3508045"/>
+            <a:ext cx="32215800" cy="647927"/>
+          </a:xfrm>
+          <a:prstGeom prst="rect">
+            <a:avLst/>
+          </a:prstGeom>
+          <a:noFill/>
+          <a:ln>
+            <a:noFill/>
+          </a:ln>
+        </p:spPr>
+        <p:txBody>
+          <a:bodyPr spcFirstLastPara="1" wrap="square" lIns="91425" tIns="45700" rIns="91425" bIns="45700" anchor="t" anchorCtr="0">
+            <a:noAutofit/>
+          </a:bodyPr>
+          <a:lstStyle/>
+          <a:p>
+            <a:pPr marL="0" lvl="0" indent="0" algn="ctr" rtl="0">
+              <a:lnSpc>
+                <a:spcPct val="90000"/>
+              </a:lnSpc>
+              <a:spcBef>
+                <a:spcPts val="3600"/>
+              </a:spcBef>
+              <a:spcAft>
+                <a:spcPts val="0"/>
+              </a:spcAft>
+              <a:buClr>
+                <a:schemeClr val="dk1"/>
+              </a:buClr>
+              <a:buSzPts val="1100"/>
+              <a:buFont typeface="Arial"/>
+              <a:buNone/>
+            </a:pPr>
+            <a:r>
+              <a:rPr lang="en-US" sz="3600" baseline="30000">
+                <a:solidFill>
+                  <a:srgbClr val="1F4E79"/>
+                </a:solidFill>
+                <a:latin typeface="Arial"/>
+                <a:ea typeface="Arial"/>
+                <a:cs typeface="Arial"/>
+                <a:sym typeface="Arial"/>
+              </a:rPr>
+              <a:t>1 </a:t>
+            </a:r>
+            <a:r>
+              <a:rPr lang="en-US" sz="3600">
+                <a:solidFill>
+                  <a:srgbClr val="1F4E79"/>
+                </a:solidFill>
+                <a:latin typeface="Arial"/>
+                <a:ea typeface="Arial"/>
+                <a:cs typeface="Arial"/>
+                <a:sym typeface="Arial"/>
+              </a:rPr>
+              <a:t>University of Notre Dame, </a:t>
+            </a:r>
+            <a:r>
+              <a:rPr lang="en-US" sz="3600" baseline="30000">
+                <a:solidFill>
+                  <a:srgbClr val="1F4E79"/>
+                </a:solidFill>
+                <a:latin typeface="Arial"/>
+                <a:ea typeface="Arial"/>
+                <a:cs typeface="Arial"/>
+                <a:sym typeface="Arial"/>
+              </a:rPr>
+              <a:t>2 </a:t>
+            </a:r>
+            <a:r>
+              <a:rPr lang="en-US" sz="3600">
+                <a:solidFill>
+                  <a:srgbClr val="1F4E79"/>
+                </a:solidFill>
+                <a:latin typeface="Arial"/>
+                <a:ea typeface="Arial"/>
+                <a:cs typeface="Arial"/>
+                <a:sym typeface="Arial"/>
+              </a:rPr>
+              <a:t>The College of William and Mary</a:t>
+            </a:r>
+            <a:endParaRPr sz="3600">
+              <a:solidFill>
+                <a:srgbClr val="1F4E79"/>
+              </a:solidFill>
+              <a:latin typeface="Arial"/>
+              <a:ea typeface="Arial"/>
+              <a:cs typeface="Arial"/>
+              <a:sym typeface="Arial"/>
+            </a:endParaRPr>
+          </a:p>
+        </p:txBody>
+      </p:sp>
+      <p:sp>
+        <p:nvSpPr>
+          <p:cNvPr id="52" name="Google Shape;52;g2492f7694c2_0_0"/>
+          <p:cNvSpPr txBox="1">
+            <a:spLocks noGrp="1"/>
+          </p:cNvSpPr>
+          <p:nvPr>
+            <p:ph type="body" idx="9"/>
+          </p:nvPr>
+        </p:nvSpPr>
+        <p:spPr>
+          <a:xfrm>
+            <a:off x="5837700" y="2667553"/>
+            <a:ext cx="32038475" cy="1417742"/>
+          </a:xfrm>
+          <a:prstGeom prst="rect">
+            <a:avLst/>
+          </a:prstGeom>
+          <a:noFill/>
+          <a:ln>
+            <a:noFill/>
+          </a:ln>
+        </p:spPr>
+        <p:txBody>
+          <a:bodyPr spcFirstLastPara="1" wrap="square" lIns="91425" tIns="45700" rIns="91425" bIns="45700" anchor="t" anchorCtr="1">
+            <a:noAutofit/>
+          </a:bodyPr>
+          <a:lstStyle/>
+          <a:p>
+            <a:pPr marL="0" lvl="0" indent="0" algn="ctr" rtl="0">
+              <a:lnSpc>
+                <a:spcPct val="90000"/>
+              </a:lnSpc>
+              <a:spcBef>
+                <a:spcPts val="3600"/>
+              </a:spcBef>
+              <a:spcAft>
+                <a:spcPts val="0"/>
+              </a:spcAft>
+              <a:buSzPts val="8800"/>
+              <a:buNone/>
+            </a:pPr>
+            <a:r>
+              <a:rPr lang="en-US" sz="5500">
+                <a:solidFill>
+                  <a:srgbClr val="1F4E79"/>
+                </a:solidFill>
+                <a:latin typeface="Arial"/>
+                <a:ea typeface="Arial"/>
+                <a:cs typeface="Arial"/>
+                <a:sym typeface="Arial"/>
+              </a:rPr>
+              <a:t>Qizhou Duan</a:t>
+            </a:r>
+            <a:r>
+              <a:rPr lang="en-US" sz="5500" baseline="30000">
+                <a:solidFill>
+                  <a:srgbClr val="1F4E79"/>
+                </a:solidFill>
+                <a:latin typeface="Arial"/>
+                <a:ea typeface="Arial"/>
+                <a:cs typeface="Arial"/>
+                <a:sym typeface="Arial"/>
+              </a:rPr>
+              <a:t>1</a:t>
+            </a:r>
+            <a:r>
+              <a:rPr lang="en-US" sz="5500">
+                <a:solidFill>
+                  <a:srgbClr val="1F4E79"/>
+                </a:solidFill>
+                <a:latin typeface="Arial"/>
+                <a:ea typeface="Arial"/>
+                <a:cs typeface="Arial"/>
+                <a:sym typeface="Arial"/>
+              </a:rPr>
+              <a:t>, Chenlingxi Xu</a:t>
+            </a:r>
+            <a:r>
+              <a:rPr lang="en-US" sz="5500" baseline="30000">
+                <a:solidFill>
+                  <a:srgbClr val="1F4E79"/>
+                </a:solidFill>
+                <a:latin typeface="Arial"/>
+                <a:ea typeface="Arial"/>
+                <a:cs typeface="Arial"/>
+                <a:sym typeface="Arial"/>
+              </a:rPr>
+              <a:t>1</a:t>
+            </a:r>
+            <a:r>
+              <a:rPr lang="en-US" sz="5500">
+                <a:solidFill>
+                  <a:srgbClr val="1F4E79"/>
+                </a:solidFill>
+                <a:latin typeface="Arial"/>
+                <a:ea typeface="Arial"/>
+                <a:cs typeface="Arial"/>
+                <a:sym typeface="Arial"/>
+              </a:rPr>
+              <a:t>, Isebel Huang</a:t>
+            </a:r>
+            <a:r>
+              <a:rPr lang="en-US" sz="5500" baseline="30000">
+                <a:solidFill>
+                  <a:srgbClr val="1F4E79"/>
+                </a:solidFill>
+                <a:latin typeface="Arial"/>
+                <a:ea typeface="Arial"/>
+                <a:cs typeface="Arial"/>
+                <a:sym typeface="Arial"/>
+              </a:rPr>
+              <a:t>2</a:t>
+            </a:r>
+            <a:r>
+              <a:rPr lang="en-US" sz="5500">
+                <a:solidFill>
+                  <a:srgbClr val="1F4E79"/>
+                </a:solidFill>
+                <a:latin typeface="Arial"/>
+                <a:ea typeface="Arial"/>
+                <a:cs typeface="Arial"/>
+                <a:sym typeface="Arial"/>
+              </a:rPr>
+              <a:t>, Lee Kirkpatrick</a:t>
+            </a:r>
+            <a:r>
+              <a:rPr lang="en-US" sz="5500" baseline="30000">
+                <a:solidFill>
+                  <a:srgbClr val="1F4E79"/>
+                </a:solidFill>
+                <a:latin typeface="Arial"/>
+                <a:ea typeface="Arial"/>
+                <a:cs typeface="Arial"/>
+                <a:sym typeface="Arial"/>
+              </a:rPr>
+              <a:t>1</a:t>
+            </a:r>
+            <a:endParaRPr sz="5500">
+              <a:solidFill>
+                <a:srgbClr val="1F4E79"/>
+              </a:solidFill>
+              <a:latin typeface="Arial"/>
+              <a:ea typeface="Arial"/>
+              <a:cs typeface="Arial"/>
+              <a:sym typeface="Arial"/>
             </a:endParaRPr>
           </a:p>
         </p:txBody>
@@ -8799,40 +9840,43 @@
             <a:spLocks noGrp="1"/>
           </p:cNvSpPr>
           <p:nvPr>
-            <p:ph type="body" idx="8"/>
+            <p:ph type="body" idx="13"/>
           </p:nvPr>
         </p:nvSpPr>
         <p:spPr>
           <a:xfrm>
-            <a:off x="4360200" y="3584281"/>
-            <a:ext cx="32215800" cy="647927"/>
+            <a:off x="4991175" y="1113892"/>
+            <a:ext cx="34125750" cy="1889457"/>
           </a:xfrm>
           <a:prstGeom prst="rect">
             <a:avLst/>
           </a:prstGeom>
+          <a:noFill/>
+          <a:ln>
+            <a:noFill/>
+          </a:ln>
         </p:spPr>
         <p:txBody>
-          <a:bodyPr spcFirstLastPara="1" wrap="square" lIns="91425" tIns="45700" rIns="91425" bIns="45700" anchor="t" anchorCtr="0">
+          <a:bodyPr spcFirstLastPara="1" wrap="square" lIns="91425" tIns="45700" rIns="91425" bIns="45700" anchor="t" anchorCtr="1">
             <a:noAutofit/>
           </a:bodyPr>
           <a:lstStyle/>
           <a:p>
             <a:pPr marL="0" lvl="0" indent="0" algn="ctr" rtl="0">
-              <a:spcBef>
-                <a:spcPts val="3600"/>
-              </a:spcBef>
-              <a:spcAft>
-                <a:spcPts val="0"/>
-              </a:spcAft>
-              <a:buClr>
-                <a:schemeClr val="dk1"/>
-              </a:buClr>
-              <a:buSzPts val="1100"/>
-              <a:buFont typeface="Arial"/>
+              <a:lnSpc>
+                <a:spcPct val="100000"/>
+              </a:lnSpc>
+              <a:spcBef>
+                <a:spcPts val="0"/>
+              </a:spcBef>
+              <a:spcAft>
+                <a:spcPts val="0"/>
+              </a:spcAft>
+              <a:buSzPts val="11500"/>
               <a:buNone/>
             </a:pPr>
             <a:r>
-              <a:rPr lang="en-US" sz="3600" baseline="30000" dirty="0">
+              <a:rPr lang="en-US" sz="8300" b="1">
                 <a:solidFill>
                   <a:srgbClr val="1F4E79"/>
                 </a:solidFill>
@@ -8841,45 +9885,9 @@
                 <a:cs typeface="Arial"/>
                 <a:sym typeface="Arial"/>
               </a:rPr>
-              <a:t>1 </a:t>
+              <a:t>Benefit Valuation and Gratitude</a:t>
             </a:r>
-            <a:r>
-              <a:rPr lang="en-US" sz="3600" dirty="0">
-                <a:solidFill>
-                  <a:srgbClr val="1F4E79"/>
-                </a:solidFill>
-                <a:latin typeface="Arial"/>
-                <a:ea typeface="Arial"/>
-                <a:cs typeface="Arial"/>
-                <a:sym typeface="Arial"/>
-              </a:rPr>
-              <a:t>University of Notre Dame, </a:t>
-            </a:r>
-            <a:r>
-              <a:rPr lang="en-US" sz="3600" baseline="30000" dirty="0">
-                <a:solidFill>
-                  <a:srgbClr val="1F4E79"/>
-                </a:solidFill>
-                <a:latin typeface="Arial"/>
-                <a:ea typeface="Arial"/>
-                <a:cs typeface="Arial"/>
-                <a:sym typeface="Arial"/>
-              </a:rPr>
-              <a:t>2 </a:t>
-            </a:r>
-            <a:r>
-              <a:rPr lang="en-US" sz="3600" dirty="0">
-                <a:solidFill>
-                  <a:srgbClr val="1F4E79"/>
-                </a:solidFill>
-                <a:latin typeface="Arial"/>
-                <a:ea typeface="Arial"/>
-                <a:cs typeface="Arial"/>
-                <a:sym typeface="Arial"/>
-              </a:rPr>
-              <a:t>The College of William and Mary</a:t>
-            </a:r>
-            <a:endParaRPr sz="3600" dirty="0">
+            <a:endParaRPr sz="8300" b="1">
               <a:solidFill>
                 <a:srgbClr val="1F4E79"/>
               </a:solidFill>
@@ -8898,197 +9906,409 @@
             <a:spLocks noGrp="1"/>
           </p:cNvSpPr>
           <p:nvPr>
-            <p:ph type="body" idx="9"/>
+            <p:ph type="body" idx="1"/>
           </p:nvPr>
         </p:nvSpPr>
         <p:spPr>
           <a:xfrm>
-            <a:off x="4537525" y="2670783"/>
-            <a:ext cx="32038475" cy="1417742"/>
+            <a:off x="133475" y="5888675"/>
+            <a:ext cx="15229200" cy="7734600"/>
           </a:xfrm>
           <a:prstGeom prst="rect">
             <a:avLst/>
           </a:prstGeom>
+          <a:noFill/>
+          <a:ln>
+            <a:noFill/>
+          </a:ln>
         </p:spPr>
         <p:txBody>
-          <a:bodyPr spcFirstLastPara="1" wrap="square" lIns="91425" tIns="45700" rIns="91425" bIns="45700" anchor="t" anchorCtr="1">
-            <a:noAutofit/>
+          <a:bodyPr spcFirstLastPara="1" wrap="square" lIns="228575" tIns="228575" rIns="228575" bIns="228575" anchor="t" anchorCtr="0">
+            <a:spAutoFit/>
           </a:bodyPr>
           <a:lstStyle/>
           <a:p>
-            <a:pPr marL="0" lvl="0" indent="0" algn="ctr" rtl="0">
-              <a:spcBef>
-                <a:spcPts val="3600"/>
-              </a:spcBef>
-              <a:spcAft>
-                <a:spcPts val="0"/>
-              </a:spcAft>
-              <a:buNone/>
+            <a:pPr marL="457200" lvl="0" indent="-450850" algn="l" rtl="0">
+              <a:lnSpc>
+                <a:spcPct val="90000"/>
+              </a:lnSpc>
+              <a:spcBef>
+                <a:spcPts val="0"/>
+              </a:spcBef>
+              <a:spcAft>
+                <a:spcPts val="0"/>
+              </a:spcAft>
+              <a:buClr>
+                <a:srgbClr val="1E4E79"/>
+              </a:buClr>
+              <a:buSzPts val="3500"/>
+              <a:buFont typeface="Calibri"/>
+              <a:buChar char="●"/>
             </a:pPr>
             <a:r>
-              <a:rPr lang="en-US" sz="5500" dirty="0" err="1">
-                <a:solidFill>
-                  <a:srgbClr val="1F4E79"/>
-                </a:solidFill>
-                <a:latin typeface="Arial"/>
-                <a:ea typeface="Arial"/>
-                <a:cs typeface="Arial"/>
-                <a:sym typeface="Arial"/>
+              <a:rPr lang="en-US" sz="3500" i="0" u="none" strike="noStrike">
+                <a:solidFill>
+                  <a:srgbClr val="1E4E79"/>
+                </a:solidFill>
+                <a:latin typeface="Calibri"/>
+                <a:ea typeface="Calibri"/>
+                <a:cs typeface="Calibri"/>
+                <a:sym typeface="Calibri"/>
               </a:rPr>
-              <a:t>Qizhou</a:t>
+              <a:t>Evolutionary psychology claims that emotion has its adaptive function</a:t>
+            </a:r>
+            <a:endParaRPr sz="3500">
+              <a:solidFill>
+                <a:srgbClr val="1E4E79"/>
+              </a:solidFill>
+              <a:latin typeface="Calibri"/>
+              <a:ea typeface="Calibri"/>
+              <a:cs typeface="Calibri"/>
+              <a:sym typeface="Calibri"/>
+            </a:endParaRPr>
+          </a:p>
+          <a:p>
+            <a:pPr marL="457200" lvl="0" indent="-450850" algn="l" rtl="0">
+              <a:lnSpc>
+                <a:spcPct val="90000"/>
+              </a:lnSpc>
+              <a:spcBef>
+                <a:spcPts val="0"/>
+              </a:spcBef>
+              <a:spcAft>
+                <a:spcPts val="0"/>
+              </a:spcAft>
+              <a:buClr>
+                <a:srgbClr val="1E4E79"/>
+              </a:buClr>
+              <a:buSzPts val="3500"/>
+              <a:buFont typeface="Calibri"/>
+              <a:buChar char="●"/>
+            </a:pPr>
+            <a:r>
+              <a:rPr lang="en-US" sz="3500" i="0" u="none" strike="noStrike">
+                <a:solidFill>
+                  <a:srgbClr val="1E4E79"/>
+                </a:solidFill>
+                <a:latin typeface="Calibri"/>
+                <a:ea typeface="Calibri"/>
+                <a:cs typeface="Calibri"/>
+                <a:sym typeface="Calibri"/>
+              </a:rPr>
+              <a:t>The welfare-tradeoff ratio (WTR) is a neurocomputational variable that many emotions incorporate in the decision-making process</a:t>
+            </a:r>
+            <a:endParaRPr sz="3500">
+              <a:solidFill>
+                <a:srgbClr val="1E4E79"/>
+              </a:solidFill>
+              <a:latin typeface="Calibri"/>
+              <a:ea typeface="Calibri"/>
+              <a:cs typeface="Calibri"/>
+              <a:sym typeface="Calibri"/>
+            </a:endParaRPr>
+          </a:p>
+          <a:p>
+            <a:pPr marL="457200" lvl="0" indent="-450850" algn="l" rtl="0">
+              <a:lnSpc>
+                <a:spcPct val="90000"/>
+              </a:lnSpc>
+              <a:spcBef>
+                <a:spcPts val="0"/>
+              </a:spcBef>
+              <a:spcAft>
+                <a:spcPts val="0"/>
+              </a:spcAft>
+              <a:buClr>
+                <a:srgbClr val="1E4E79"/>
+              </a:buClr>
+              <a:buSzPts val="3500"/>
+              <a:buFont typeface="Calibri"/>
+              <a:buChar char="●"/>
+            </a:pPr>
+            <a:r>
+              <a:rPr lang="en-US" sz="3500" i="0" u="none" strike="noStrike">
+                <a:solidFill>
+                  <a:srgbClr val="1E4E79"/>
+                </a:solidFill>
+                <a:latin typeface="Calibri"/>
+                <a:ea typeface="Calibri"/>
+                <a:cs typeface="Calibri"/>
+                <a:sym typeface="Calibri"/>
+              </a:rPr>
+              <a:t>WTR: The perceived willingness of one party to forgo resources to benefit another (</a:t>
             </a:r>
             <a:r>
-              <a:rPr lang="en-US" sz="5500" dirty="0">
-                <a:solidFill>
-                  <a:srgbClr val="1F4E79"/>
-                </a:solidFill>
-                <a:latin typeface="Arial"/>
-                <a:ea typeface="Arial"/>
-                <a:cs typeface="Arial"/>
-                <a:sym typeface="Arial"/>
+              <a:rPr lang="en-US" sz="3500">
+                <a:solidFill>
+                  <a:srgbClr val="1E4E79"/>
+                </a:solidFill>
+                <a:latin typeface="Calibri"/>
+                <a:ea typeface="Calibri"/>
+                <a:cs typeface="Calibri"/>
+                <a:sym typeface="Calibri"/>
               </a:rPr>
-              <a:t> Duan</a:t>
+              <a:t>Tooby and Cosmides (2008)) 		 	 	 		</a:t>
+            </a:r>
+            <a:endParaRPr sz="3500">
+              <a:solidFill>
+                <a:srgbClr val="1E4E79"/>
+              </a:solidFill>
+              <a:latin typeface="Calibri"/>
+              <a:ea typeface="Calibri"/>
+              <a:cs typeface="Calibri"/>
+              <a:sym typeface="Calibri"/>
+            </a:endParaRPr>
+          </a:p>
+          <a:p>
+            <a:pPr marL="914400" lvl="1" indent="-450850" algn="l" rtl="0">
+              <a:lnSpc>
+                <a:spcPct val="90000"/>
+              </a:lnSpc>
+              <a:spcBef>
+                <a:spcPts val="0"/>
+              </a:spcBef>
+              <a:spcAft>
+                <a:spcPts val="0"/>
+              </a:spcAft>
+              <a:buClr>
+                <a:srgbClr val="1E4E79"/>
+              </a:buClr>
+              <a:buSzPts val="3500"/>
+              <a:buFont typeface="Calibri"/>
+              <a:buChar char="○"/>
+            </a:pPr>
+            <a:r>
+              <a:rPr lang="en-US" sz="3500" i="0" u="none" strike="noStrike">
+                <a:solidFill>
+                  <a:srgbClr val="1E4E79"/>
+                </a:solidFill>
+                <a:latin typeface="Calibri"/>
+                <a:ea typeface="Calibri"/>
+                <a:cs typeface="Calibri"/>
+                <a:sym typeface="Calibri"/>
+              </a:rPr>
+              <a:t>For example, anger arise in order to raise other’s WTR toward oneself</a:t>
+            </a:r>
+            <a:endParaRPr sz="3500">
+              <a:solidFill>
+                <a:srgbClr val="1E4E79"/>
+              </a:solidFill>
+              <a:latin typeface="Calibri"/>
+              <a:ea typeface="Calibri"/>
+              <a:cs typeface="Calibri"/>
+              <a:sym typeface="Calibri"/>
+            </a:endParaRPr>
+          </a:p>
+          <a:p>
+            <a:pPr marL="457200" lvl="0" indent="-450850" algn="l" rtl="0">
+              <a:lnSpc>
+                <a:spcPct val="90000"/>
+              </a:lnSpc>
+              <a:spcBef>
+                <a:spcPts val="0"/>
+              </a:spcBef>
+              <a:spcAft>
+                <a:spcPts val="0"/>
+              </a:spcAft>
+              <a:buClr>
+                <a:srgbClr val="1E4E79"/>
+              </a:buClr>
+              <a:buSzPts val="3500"/>
+              <a:buFont typeface="Calibri"/>
+              <a:buChar char="●"/>
+            </a:pPr>
+            <a:r>
+              <a:rPr lang="en-US" sz="3500">
+                <a:solidFill>
+                  <a:srgbClr val="1E4E79"/>
+                </a:solidFill>
+                <a:latin typeface="Calibri"/>
+                <a:ea typeface="Calibri"/>
+                <a:cs typeface="Calibri"/>
+                <a:sym typeface="Calibri"/>
+              </a:rPr>
+              <a:t>Gratitude typically evoked when one receives costly, unexpected, and intentionally rendered benefits, and is thought to play a key role in regulating the initiation and maintenance of social relationships </a:t>
+            </a:r>
+            <a:endParaRPr sz="3500">
+              <a:solidFill>
+                <a:srgbClr val="1E4E79"/>
+              </a:solidFill>
+              <a:latin typeface="Calibri"/>
+              <a:ea typeface="Calibri"/>
+              <a:cs typeface="Calibri"/>
+              <a:sym typeface="Calibri"/>
+            </a:endParaRPr>
+          </a:p>
+          <a:p>
+            <a:pPr marL="457200" lvl="0" indent="-450850" algn="l" rtl="0">
+              <a:lnSpc>
+                <a:spcPct val="90000"/>
+              </a:lnSpc>
+              <a:spcBef>
+                <a:spcPts val="0"/>
+              </a:spcBef>
+              <a:spcAft>
+                <a:spcPts val="0"/>
+              </a:spcAft>
+              <a:buClr>
+                <a:srgbClr val="1E4E79"/>
+              </a:buClr>
+              <a:buSzPts val="3500"/>
+              <a:buFont typeface="Calibri"/>
+              <a:buChar char="●"/>
+            </a:pPr>
+            <a:r>
+              <a:rPr lang="en-US" sz="3500" i="0" u="none" strike="noStrike">
+                <a:solidFill>
+                  <a:srgbClr val="1E4E79"/>
+                </a:solidFill>
+                <a:latin typeface="Calibri"/>
+                <a:ea typeface="Calibri"/>
+                <a:cs typeface="Calibri"/>
+                <a:sym typeface="Calibri"/>
+              </a:rPr>
+              <a:t>Forster et al. (2017, Front Hum Neurosci.) proposed that gratitude was elicited when there was an incongruence of perceived benefits versus expected benefits </a:t>
+            </a:r>
+            <a:endParaRPr sz="3500">
+              <a:solidFill>
+                <a:srgbClr val="1E4E79"/>
+              </a:solidFill>
+              <a:latin typeface="Calibri"/>
+              <a:ea typeface="Calibri"/>
+              <a:cs typeface="Calibri"/>
+              <a:sym typeface="Calibri"/>
+            </a:endParaRPr>
+          </a:p>
+          <a:p>
+            <a:pPr marL="914400" lvl="1" indent="-450850" algn="l" rtl="0">
+              <a:lnSpc>
+                <a:spcPct val="90000"/>
+              </a:lnSpc>
+              <a:spcBef>
+                <a:spcPts val="0"/>
+              </a:spcBef>
+              <a:spcAft>
+                <a:spcPts val="0"/>
+              </a:spcAft>
+              <a:buClr>
+                <a:srgbClr val="1E4E79"/>
+              </a:buClr>
+              <a:buSzPts val="3500"/>
+              <a:buFont typeface="Calibri"/>
+              <a:buChar char="○"/>
+            </a:pPr>
+            <a:r>
+              <a:rPr lang="en-US" sz="3500" i="0" u="none" strike="noStrike">
+                <a:solidFill>
+                  <a:srgbClr val="1E4E79"/>
+                </a:solidFill>
+                <a:latin typeface="Calibri"/>
+                <a:ea typeface="Calibri"/>
+                <a:cs typeface="Calibri"/>
+                <a:sym typeface="Calibri"/>
+              </a:rPr>
+              <a:t>gratitude would be inversely correlated with a welfare-tradeoff ratio</a:t>
+            </a:r>
+            <a:endParaRPr sz="3500">
+              <a:solidFill>
+                <a:srgbClr val="1E4E79"/>
+              </a:solidFill>
+              <a:latin typeface="Calibri"/>
+              <a:ea typeface="Calibri"/>
+              <a:cs typeface="Calibri"/>
+              <a:sym typeface="Calibri"/>
+            </a:endParaRPr>
+          </a:p>
+          <a:p>
+            <a:pPr marL="914400" lvl="1" indent="-450850" algn="l" rtl="0">
+              <a:lnSpc>
+                <a:spcPct val="90000"/>
+              </a:lnSpc>
+              <a:spcBef>
+                <a:spcPts val="0"/>
+              </a:spcBef>
+              <a:spcAft>
+                <a:spcPts val="0"/>
+              </a:spcAft>
+              <a:buClr>
+                <a:srgbClr val="1E4E79"/>
+              </a:buClr>
+              <a:buSzPts val="3500"/>
+              <a:buFont typeface="Calibri"/>
+              <a:buChar char="○"/>
+            </a:pPr>
+            <a:r>
+              <a:rPr lang="en-US" sz="3500" i="0" u="none" strike="noStrike">
+                <a:solidFill>
+                  <a:srgbClr val="1E4E79"/>
+                </a:solidFill>
+                <a:latin typeface="Calibri"/>
+                <a:ea typeface="Calibri"/>
+                <a:cs typeface="Calibri"/>
+                <a:sym typeface="Calibri"/>
+              </a:rPr>
+              <a:t>However,</a:t>
             </a:r>
             <a:r>
-              <a:rPr lang="en-US" sz="5500" baseline="30000" dirty="0">
-                <a:solidFill>
-                  <a:srgbClr val="1F4E79"/>
-                </a:solidFill>
-                <a:latin typeface="Arial"/>
-                <a:ea typeface="Arial"/>
-                <a:cs typeface="Arial"/>
-                <a:sym typeface="Arial"/>
+              <a:rPr lang="en-US" sz="3500">
+                <a:solidFill>
+                  <a:srgbClr val="1E4E79"/>
+                </a:solidFill>
+                <a:latin typeface="Calibri"/>
+                <a:ea typeface="Calibri"/>
+                <a:cs typeface="Calibri"/>
+                <a:sym typeface="Calibri"/>
               </a:rPr>
-              <a:t>1</a:t>
+              <a:t> previous studies found a null result</a:t>
             </a:r>
+            <a:endParaRPr sz="3500">
+              <a:solidFill>
+                <a:srgbClr val="1E4E79"/>
+              </a:solidFill>
+              <a:latin typeface="Calibri"/>
+              <a:ea typeface="Calibri"/>
+              <a:cs typeface="Calibri"/>
+              <a:sym typeface="Calibri"/>
+            </a:endParaRPr>
+          </a:p>
+          <a:p>
+            <a:pPr marL="914400" lvl="1" indent="-450850" algn="l" rtl="0">
+              <a:lnSpc>
+                <a:spcPct val="90000"/>
+              </a:lnSpc>
+              <a:spcBef>
+                <a:spcPts val="0"/>
+              </a:spcBef>
+              <a:spcAft>
+                <a:spcPts val="0"/>
+              </a:spcAft>
+              <a:buClr>
+                <a:srgbClr val="1E4E79"/>
+              </a:buClr>
+              <a:buSzPts val="3500"/>
+              <a:buFont typeface="Calibri"/>
+              <a:buChar char="○"/>
+            </a:pPr>
             <a:r>
-              <a:rPr lang="en-US" sz="5500" dirty="0">
-                <a:solidFill>
-                  <a:srgbClr val="1F4E79"/>
-                </a:solidFill>
-                <a:latin typeface="Arial"/>
-                <a:ea typeface="Arial"/>
-                <a:cs typeface="Arial"/>
-                <a:sym typeface="Arial"/>
+              <a:rPr lang="en-US" sz="3500" i="0" u="none" strike="noStrike">
+                <a:solidFill>
+                  <a:srgbClr val="1E4E79"/>
+                </a:solidFill>
+                <a:latin typeface="Calibri"/>
+                <a:ea typeface="Calibri"/>
+                <a:cs typeface="Calibri"/>
+                <a:sym typeface="Calibri"/>
               </a:rPr>
-              <a:t>, </a:t>
+              <a:t>Why?</a:t>
             </a:r>
-            <a:r>
-              <a:rPr lang="en-US" sz="5500" dirty="0" err="1">
-                <a:solidFill>
-                  <a:srgbClr val="1F4E79"/>
-                </a:solidFill>
-                <a:latin typeface="Arial"/>
-                <a:ea typeface="Arial"/>
-                <a:cs typeface="Arial"/>
-                <a:sym typeface="Arial"/>
-              </a:rPr>
-              <a:t>Chenglingxi</a:t>
-            </a:r>
-            <a:r>
-              <a:rPr lang="en-US" sz="5500" dirty="0">
-                <a:solidFill>
-                  <a:srgbClr val="1F4E79"/>
-                </a:solidFill>
-                <a:latin typeface="Arial"/>
-                <a:ea typeface="Arial"/>
-                <a:cs typeface="Arial"/>
-                <a:sym typeface="Arial"/>
-              </a:rPr>
-              <a:t> Xu</a:t>
-            </a:r>
-            <a:r>
-              <a:rPr lang="en-US" sz="5500" baseline="30000" dirty="0">
-                <a:solidFill>
-                  <a:srgbClr val="1F4E79"/>
-                </a:solidFill>
-                <a:latin typeface="Arial"/>
-                <a:ea typeface="Arial"/>
-                <a:cs typeface="Arial"/>
-                <a:sym typeface="Arial"/>
-              </a:rPr>
-              <a:t>1</a:t>
-            </a:r>
-            <a:r>
-              <a:rPr lang="en-US" sz="5500" dirty="0">
-                <a:solidFill>
-                  <a:srgbClr val="1F4E79"/>
-                </a:solidFill>
-                <a:latin typeface="Arial"/>
-                <a:ea typeface="Arial"/>
-                <a:cs typeface="Arial"/>
-                <a:sym typeface="Arial"/>
-              </a:rPr>
-              <a:t>, </a:t>
-            </a:r>
-            <a:r>
-              <a:rPr lang="en-US" sz="5500" dirty="0" err="1">
-                <a:solidFill>
-                  <a:srgbClr val="1F4E79"/>
-                </a:solidFill>
-                <a:latin typeface="Arial"/>
-                <a:ea typeface="Arial"/>
-                <a:cs typeface="Arial"/>
-                <a:sym typeface="Arial"/>
-              </a:rPr>
-              <a:t>Isebel</a:t>
-            </a:r>
-            <a:r>
-              <a:rPr lang="en-US" sz="5500" dirty="0">
-                <a:solidFill>
-                  <a:srgbClr val="1F4E79"/>
-                </a:solidFill>
-                <a:latin typeface="Arial"/>
-                <a:ea typeface="Arial"/>
-                <a:cs typeface="Arial"/>
-                <a:sym typeface="Arial"/>
-              </a:rPr>
-              <a:t> Huang</a:t>
-            </a:r>
-            <a:r>
-              <a:rPr lang="en-US" sz="5500" baseline="30000" dirty="0">
-                <a:solidFill>
-                  <a:srgbClr val="1F4E79"/>
-                </a:solidFill>
-                <a:latin typeface="Arial"/>
-                <a:ea typeface="Arial"/>
-                <a:cs typeface="Arial"/>
-                <a:sym typeface="Arial"/>
-              </a:rPr>
-              <a:t>2</a:t>
-            </a:r>
-            <a:r>
-              <a:rPr lang="en-US" sz="5500" dirty="0">
-                <a:solidFill>
-                  <a:srgbClr val="1F4E79"/>
-                </a:solidFill>
-                <a:latin typeface="Arial"/>
-                <a:ea typeface="Arial"/>
-                <a:cs typeface="Arial"/>
-                <a:sym typeface="Arial"/>
-              </a:rPr>
-              <a:t>, Lee Kirkpatrick</a:t>
-            </a:r>
-            <a:r>
-              <a:rPr lang="en-US" sz="5500" baseline="30000" dirty="0">
-                <a:solidFill>
-                  <a:srgbClr val="1F4E79"/>
-                </a:solidFill>
-                <a:latin typeface="Arial"/>
-                <a:ea typeface="Arial"/>
-                <a:cs typeface="Arial"/>
-                <a:sym typeface="Arial"/>
-              </a:rPr>
-              <a:t>1</a:t>
-            </a:r>
-            <a:endParaRPr sz="5500" dirty="0">
+            <a:endParaRPr sz="3500">
               <a:solidFill>
-                <a:srgbClr val="1F4E79"/>
+                <a:srgbClr val="1E4E79"/>
               </a:solidFill>
-              <a:latin typeface="Arial"/>
-              <a:ea typeface="Arial"/>
-              <a:cs typeface="Arial"/>
-              <a:sym typeface="Arial"/>
+              <a:latin typeface="Calibri"/>
+              <a:ea typeface="Calibri"/>
+              <a:cs typeface="Calibri"/>
+              <a:sym typeface="Calibri"/>
             </a:endParaRPr>
           </a:p>
         </p:txBody>
@@ -9100,319 +10320,13 @@
             <a:spLocks noGrp="1"/>
           </p:cNvSpPr>
           <p:nvPr>
-            <p:ph type="body" idx="13"/>
-          </p:nvPr>
-        </p:nvSpPr>
-        <p:spPr>
-          <a:xfrm>
-            <a:off x="3493887" y="1216367"/>
-            <a:ext cx="34125750" cy="1889457"/>
-          </a:xfrm>
-          <a:prstGeom prst="rect">
-            <a:avLst/>
-          </a:prstGeom>
-        </p:spPr>
-        <p:txBody>
-          <a:bodyPr spcFirstLastPara="1" wrap="square" lIns="91425" tIns="45700" rIns="91425" bIns="45700" anchor="t" anchorCtr="1">
-            <a:noAutofit/>
-          </a:bodyPr>
-          <a:lstStyle/>
-          <a:p>
-            <a:pPr marL="0" lvl="0" indent="0" algn="ctr" rtl="0">
-              <a:lnSpc>
-                <a:spcPct val="100000"/>
-              </a:lnSpc>
-              <a:spcBef>
-                <a:spcPts val="0"/>
-              </a:spcBef>
-              <a:spcAft>
-                <a:spcPts val="0"/>
-              </a:spcAft>
-              <a:buNone/>
-            </a:pPr>
-            <a:r>
-              <a:rPr lang="en-US" sz="8300" b="1" dirty="0">
-                <a:solidFill>
-                  <a:srgbClr val="1F4E79"/>
-                </a:solidFill>
-                <a:latin typeface="Arial"/>
-                <a:ea typeface="Arial"/>
-                <a:cs typeface="Arial"/>
-                <a:sym typeface="Arial"/>
-              </a:rPr>
-              <a:t>Benefit Valuation and Gratitude</a:t>
-            </a:r>
-            <a:endParaRPr sz="8300" b="1" dirty="0">
-              <a:solidFill>
-                <a:srgbClr val="1F4E79"/>
-              </a:solidFill>
-              <a:latin typeface="Arial"/>
-              <a:ea typeface="Arial"/>
-              <a:cs typeface="Arial"/>
-              <a:sym typeface="Arial"/>
-            </a:endParaRPr>
-          </a:p>
-        </p:txBody>
-      </p:sp>
-      <p:sp>
-        <p:nvSpPr>
-          <p:cNvPr id="56" name="Google Shape;56;g2492f7694c2_0_0"/>
-          <p:cNvSpPr txBox="1">
-            <a:spLocks noGrp="1"/>
-          </p:cNvSpPr>
-          <p:nvPr>
             <p:ph type="body" idx="1"/>
           </p:nvPr>
         </p:nvSpPr>
         <p:spPr>
           <a:xfrm>
-            <a:off x="133474" y="5888675"/>
-            <a:ext cx="14370000" cy="7248088"/>
-          </a:xfrm>
-          <a:prstGeom prst="rect">
-            <a:avLst/>
-          </a:prstGeom>
-          <a:ln>
-            <a:noFill/>
-          </a:ln>
-        </p:spPr>
-        <p:txBody>
-          <a:bodyPr spcFirstLastPara="1" wrap="square" lIns="228575" tIns="228575" rIns="228575" bIns="228575" anchor="t" anchorCtr="0">
-            <a:spAutoFit/>
-          </a:bodyPr>
-          <a:lstStyle/>
-          <a:p>
-            <a:pPr rtl="0" fontAlgn="base">
-              <a:spcBef>
-                <a:spcPts val="0"/>
-              </a:spcBef>
-              <a:spcAft>
-                <a:spcPts val="0"/>
-              </a:spcAft>
-              <a:buFont typeface="Arial" panose="020B0604020202020204" pitchFamily="34" charset="0"/>
-              <a:buChar char="•"/>
-            </a:pPr>
-            <a:r>
-              <a:rPr lang="en-US" sz="3500" b="0" i="0" u="none" strike="noStrike" dirty="0">
-                <a:solidFill>
-                  <a:schemeClr val="accent1">
-                    <a:lumMod val="50000"/>
-                  </a:schemeClr>
-                </a:solidFill>
-                <a:effectLst/>
-                <a:latin typeface="Arial" panose="020B0604020202020204" pitchFamily="34" charset="0"/>
-              </a:rPr>
-              <a:t>Evolutionary psychology claims that emotion has its adaptive function</a:t>
-            </a:r>
-          </a:p>
-          <a:p>
-            <a:pPr rtl="0" fontAlgn="base">
-              <a:spcBef>
-                <a:spcPts val="0"/>
-              </a:spcBef>
-              <a:spcAft>
-                <a:spcPts val="0"/>
-              </a:spcAft>
-              <a:buFont typeface="Arial" panose="020B0604020202020204" pitchFamily="34" charset="0"/>
-              <a:buChar char="•"/>
-            </a:pPr>
-            <a:r>
-              <a:rPr lang="en-US" sz="3500" b="0" i="0" u="none" strike="noStrike" dirty="0">
-                <a:solidFill>
-                  <a:schemeClr val="accent1">
-                    <a:lumMod val="50000"/>
-                  </a:schemeClr>
-                </a:solidFill>
-                <a:effectLst/>
-                <a:latin typeface="Arial" panose="020B0604020202020204" pitchFamily="34" charset="0"/>
-              </a:rPr>
-              <a:t>The welfare-tradeoff ratio (WTR) is a neurocomputational variable that many emotions incorporate in the decision-making process</a:t>
-            </a:r>
-          </a:p>
-          <a:p>
-            <a:pPr rtl="0" fontAlgn="base">
-              <a:spcBef>
-                <a:spcPts val="0"/>
-              </a:spcBef>
-              <a:spcAft>
-                <a:spcPts val="0"/>
-              </a:spcAft>
-              <a:buFont typeface="Arial" panose="020B0604020202020204" pitchFamily="34" charset="0"/>
-              <a:buChar char="•"/>
-            </a:pPr>
-            <a:r>
-              <a:rPr lang="en-US" sz="3500" b="0" i="0" u="none" strike="noStrike" dirty="0">
-                <a:solidFill>
-                  <a:schemeClr val="accent1">
-                    <a:lumMod val="50000"/>
-                  </a:schemeClr>
-                </a:solidFill>
-                <a:effectLst/>
-                <a:latin typeface="Arial" panose="020B0604020202020204" pitchFamily="34" charset="0"/>
-              </a:rPr>
-              <a:t>WTR: The perceived willingness of one party to forgo resources to benefit another</a:t>
-            </a:r>
-          </a:p>
-          <a:p>
-            <a:pPr marL="742950" lvl="1" indent="-285750" rtl="0" fontAlgn="base">
-              <a:spcBef>
-                <a:spcPts val="0"/>
-              </a:spcBef>
-              <a:spcAft>
-                <a:spcPts val="0"/>
-              </a:spcAft>
-              <a:buFont typeface="Arial" panose="020B0604020202020204" pitchFamily="34" charset="0"/>
-              <a:buChar char="•"/>
-            </a:pPr>
-            <a:r>
-              <a:rPr lang="en-US" sz="3500" b="0" i="0" u="none" strike="noStrike" dirty="0">
-                <a:solidFill>
-                  <a:schemeClr val="accent1">
-                    <a:lumMod val="50000"/>
-                  </a:schemeClr>
-                </a:solidFill>
-                <a:effectLst/>
-                <a:latin typeface="Arial" panose="020B0604020202020204" pitchFamily="34" charset="0"/>
-              </a:rPr>
-              <a:t>For example, anger arise in order to raise other’s WTR toward oneself</a:t>
-            </a:r>
-          </a:p>
-          <a:p>
-            <a:pPr rtl="0" fontAlgn="base">
-              <a:spcBef>
-                <a:spcPts val="0"/>
-              </a:spcBef>
-              <a:spcAft>
-                <a:spcPts val="0"/>
-              </a:spcAft>
-              <a:buFont typeface="Arial" panose="020B0604020202020204" pitchFamily="34" charset="0"/>
-              <a:buChar char="•"/>
-            </a:pPr>
-            <a:r>
-              <a:rPr lang="en-US" sz="3500" b="0" i="0" u="none" strike="noStrike" dirty="0">
-                <a:solidFill>
-                  <a:schemeClr val="accent1">
-                    <a:lumMod val="50000"/>
-                  </a:schemeClr>
-                </a:solidFill>
-                <a:effectLst/>
-                <a:latin typeface="Arial" panose="020B0604020202020204" pitchFamily="34" charset="0"/>
-              </a:rPr>
-              <a:t>Forster et al. (2017, Front Hum </a:t>
-            </a:r>
-            <a:r>
-              <a:rPr lang="en-US" sz="3500" b="0" i="0" u="none" strike="noStrike" dirty="0" err="1">
-                <a:solidFill>
-                  <a:schemeClr val="accent1">
-                    <a:lumMod val="50000"/>
-                  </a:schemeClr>
-                </a:solidFill>
-                <a:effectLst/>
-                <a:latin typeface="Arial" panose="020B0604020202020204" pitchFamily="34" charset="0"/>
-              </a:rPr>
-              <a:t>Neurosci</a:t>
-            </a:r>
-            <a:r>
-              <a:rPr lang="en-US" sz="3500" b="0" i="0" u="none" strike="noStrike" dirty="0">
-                <a:solidFill>
-                  <a:schemeClr val="accent1">
-                    <a:lumMod val="50000"/>
-                  </a:schemeClr>
-                </a:solidFill>
-                <a:effectLst/>
-                <a:latin typeface="Arial" panose="020B0604020202020204" pitchFamily="34" charset="0"/>
-              </a:rPr>
-              <a:t>.) proposed that gratitude was elicited when there was an incongruence of perceived benefits versus expected benefits </a:t>
-            </a:r>
-          </a:p>
-          <a:p>
-            <a:pPr marL="742950" lvl="1" indent="-285750" rtl="0" fontAlgn="base">
-              <a:spcBef>
-                <a:spcPts val="0"/>
-              </a:spcBef>
-              <a:spcAft>
-                <a:spcPts val="0"/>
-              </a:spcAft>
-              <a:buFont typeface="Arial" panose="020B0604020202020204" pitchFamily="34" charset="0"/>
-              <a:buChar char="•"/>
-            </a:pPr>
-            <a:r>
-              <a:rPr lang="en-US" sz="3500" b="0" i="0" u="none" strike="noStrike" dirty="0">
-                <a:solidFill>
-                  <a:schemeClr val="accent1">
-                    <a:lumMod val="50000"/>
-                  </a:schemeClr>
-                </a:solidFill>
-                <a:effectLst/>
-                <a:latin typeface="Arial" panose="020B0604020202020204" pitchFamily="34" charset="0"/>
-              </a:rPr>
-              <a:t>gratitude would be inversely correlated with a welfare-tradeoff ratio</a:t>
-            </a:r>
-          </a:p>
-          <a:p>
-            <a:pPr marL="742950" lvl="1" indent="-285750" rtl="0" fontAlgn="base">
-              <a:spcBef>
-                <a:spcPts val="0"/>
-              </a:spcBef>
-              <a:spcAft>
-                <a:spcPts val="0"/>
-              </a:spcAft>
-              <a:buFont typeface="Arial" panose="020B0604020202020204" pitchFamily="34" charset="0"/>
-              <a:buChar char="•"/>
-            </a:pPr>
-            <a:r>
-              <a:rPr lang="en-US" sz="3500" b="0" i="0" u="none" strike="noStrike" dirty="0">
-                <a:solidFill>
-                  <a:schemeClr val="accent1">
-                    <a:lumMod val="50000"/>
-                  </a:schemeClr>
-                </a:solidFill>
-                <a:effectLst/>
-                <a:latin typeface="Arial" panose="020B0604020202020204" pitchFamily="34" charset="0"/>
-              </a:rPr>
-              <a:t>However, null result was found</a:t>
-            </a:r>
-          </a:p>
-          <a:p>
-            <a:pPr marL="742950" lvl="1" indent="-285750" rtl="0" fontAlgn="base">
-              <a:spcBef>
-                <a:spcPts val="0"/>
-              </a:spcBef>
-              <a:spcAft>
-                <a:spcPts val="0"/>
-              </a:spcAft>
-              <a:buFont typeface="Arial" panose="020B0604020202020204" pitchFamily="34" charset="0"/>
-              <a:buChar char="•"/>
-            </a:pPr>
-            <a:r>
-              <a:rPr lang="en-US" sz="3500" b="0" i="0" u="none" strike="noStrike" dirty="0">
-                <a:solidFill>
-                  <a:schemeClr val="accent1">
-                    <a:lumMod val="50000"/>
-                  </a:schemeClr>
-                </a:solidFill>
-                <a:effectLst/>
-                <a:latin typeface="Arial" panose="020B0604020202020204" pitchFamily="34" charset="0"/>
-              </a:rPr>
-              <a:t>Why?</a:t>
-            </a:r>
-          </a:p>
-        </p:txBody>
-      </p:sp>
-      <p:sp>
-        <p:nvSpPr>
-          <p:cNvPr id="75" name="Google Shape;75;g2492f7694c2_0_0"/>
-          <p:cNvSpPr txBox="1">
-            <a:spLocks noGrp="1"/>
-          </p:cNvSpPr>
-          <p:nvPr>
-            <p:ph type="body" idx="1"/>
-          </p:nvPr>
-        </p:nvSpPr>
-        <p:spPr>
-          <a:xfrm>
-            <a:off x="14980050" y="15220600"/>
-            <a:ext cx="14709900" cy="646300"/>
+            <a:off x="15424975" y="15377425"/>
+            <a:ext cx="14709900" cy="5194800"/>
           </a:xfrm>
           <a:prstGeom prst="rect">
             <a:avLst/>
@@ -9428,7 +10342,7 @@
           </a:bodyPr>
           <a:lstStyle/>
           <a:p>
-            <a:pPr marL="457200" lvl="0" indent="-419100" algn="l" rtl="0">
+            <a:pPr marL="457200" lvl="0" indent="-450850" algn="l" rtl="0">
               <a:lnSpc>
                 <a:spcPct val="100000"/>
               </a:lnSpc>
@@ -9441,31 +10355,164 @@
               <a:buClr>
                 <a:srgbClr val="1F4E79"/>
               </a:buClr>
-              <a:buSzPts val="3000"/>
-              <a:buFont typeface="Arial"/>
+              <a:buSzPts val="3500"/>
+              <a:buFont typeface="Calibri"/>
               <a:buChar char="•"/>
             </a:pPr>
             <a:r>
-              <a:rPr lang="en-US" sz="3000" dirty="0">
-                <a:latin typeface="Arial"/>
-                <a:ea typeface="Arial"/>
-                <a:cs typeface="Arial"/>
-                <a:sym typeface="Arial"/>
+              <a:rPr lang="en-US" sz="3500">
+                <a:latin typeface="Calibri"/>
+                <a:ea typeface="Calibri"/>
+                <a:cs typeface="Calibri"/>
+                <a:sym typeface="Calibri"/>
               </a:rPr>
-              <a:t>Effect sizes were scaled and standardized with mean values on a 0 to 1 scale</a:t>
+              <a:t>The extent to which we are measuring what we intend to measure. </a:t>
             </a:r>
-            <a:endParaRPr sz="3000" dirty="0">
-              <a:latin typeface="Arial"/>
-              <a:ea typeface="Arial"/>
-              <a:cs typeface="Arial"/>
-              <a:sym typeface="Arial"/>
+            <a:endParaRPr sz="3500">
+              <a:latin typeface="Calibri"/>
+              <a:ea typeface="Calibri"/>
+              <a:cs typeface="Calibri"/>
+              <a:sym typeface="Calibri"/>
+            </a:endParaRPr>
+          </a:p>
+          <a:p>
+            <a:pPr marL="457200" lvl="0" indent="-450850" algn="l" rtl="0">
+              <a:lnSpc>
+                <a:spcPct val="115000"/>
+              </a:lnSpc>
+              <a:spcBef>
+                <a:spcPts val="0"/>
+              </a:spcBef>
+              <a:spcAft>
+                <a:spcPts val="0"/>
+              </a:spcAft>
+              <a:buClr>
+                <a:srgbClr val="1E4E79"/>
+              </a:buClr>
+              <a:buSzPts val="3500"/>
+              <a:buFont typeface="Calibri"/>
+              <a:buChar char="•"/>
+            </a:pPr>
+            <a:r>
+              <a:rPr lang="en-US" sz="3500">
+                <a:solidFill>
+                  <a:srgbClr val="1E4E79"/>
+                </a:solidFill>
+                <a:latin typeface="Calibri"/>
+                <a:ea typeface="Calibri"/>
+                <a:cs typeface="Calibri"/>
+                <a:sym typeface="Calibri"/>
+              </a:rPr>
+              <a:t>Is established through a rational analysis of the content of a test, and its determination is based on individual, subjective judgment.</a:t>
+            </a:r>
+            <a:endParaRPr sz="3500">
+              <a:solidFill>
+                <a:srgbClr val="1E4E79"/>
+              </a:solidFill>
+              <a:latin typeface="Calibri"/>
+              <a:ea typeface="Calibri"/>
+              <a:cs typeface="Calibri"/>
+              <a:sym typeface="Calibri"/>
+            </a:endParaRPr>
+          </a:p>
+          <a:p>
+            <a:pPr marL="457200" lvl="0" indent="-450850" algn="l" rtl="0">
+              <a:lnSpc>
+                <a:spcPct val="100000"/>
+              </a:lnSpc>
+              <a:spcBef>
+                <a:spcPts val="0"/>
+              </a:spcBef>
+              <a:spcAft>
+                <a:spcPts val="0"/>
+              </a:spcAft>
+              <a:buSzPts val="3500"/>
+              <a:buFont typeface="Calibri"/>
+              <a:buChar char="•"/>
+            </a:pPr>
+            <a:r>
+              <a:rPr lang="en-US" sz="3500">
+                <a:latin typeface="Calibri"/>
+                <a:ea typeface="Calibri"/>
+                <a:cs typeface="Calibri"/>
+                <a:sym typeface="Calibri"/>
+              </a:rPr>
+              <a:t>Face Validity vs Logical Validity</a:t>
+            </a:r>
+            <a:endParaRPr sz="3500">
+              <a:latin typeface="Calibri"/>
+              <a:ea typeface="Calibri"/>
+              <a:cs typeface="Calibri"/>
+              <a:sym typeface="Calibri"/>
+            </a:endParaRPr>
+          </a:p>
+          <a:p>
+            <a:pPr marL="457200" lvl="0" indent="-450850" algn="l" rtl="0">
+              <a:lnSpc>
+                <a:spcPct val="100000"/>
+              </a:lnSpc>
+              <a:spcBef>
+                <a:spcPts val="0"/>
+              </a:spcBef>
+              <a:spcAft>
+                <a:spcPts val="0"/>
+              </a:spcAft>
+              <a:buSzPts val="3500"/>
+              <a:buFont typeface="Calibri"/>
+              <a:buChar char="•"/>
+            </a:pPr>
+            <a:r>
+              <a:rPr lang="en-US" sz="3500">
+                <a:latin typeface="Calibri"/>
+                <a:ea typeface="Calibri"/>
+                <a:cs typeface="Calibri"/>
+                <a:sym typeface="Calibri"/>
+              </a:rPr>
+              <a:t>A person examines the test and conclude it measures relevant trait, and if people disagree, face validity is in question. </a:t>
+            </a:r>
+            <a:endParaRPr sz="3500">
+              <a:latin typeface="Calibri"/>
+              <a:ea typeface="Calibri"/>
+              <a:cs typeface="Calibri"/>
+              <a:sym typeface="Calibri"/>
+            </a:endParaRPr>
+          </a:p>
+          <a:p>
+            <a:pPr marL="457200" lvl="0" indent="-450850" algn="l" rtl="0">
+              <a:lnSpc>
+                <a:spcPct val="100000"/>
+              </a:lnSpc>
+              <a:spcBef>
+                <a:spcPts val="0"/>
+              </a:spcBef>
+              <a:spcAft>
+                <a:spcPts val="0"/>
+              </a:spcAft>
+              <a:buSzPts val="3500"/>
+              <a:buFont typeface="Calibri"/>
+              <a:buChar char="•"/>
+            </a:pPr>
+            <a:r>
+              <a:rPr lang="en-US" sz="3500">
+                <a:latin typeface="Calibri"/>
+                <a:ea typeface="Calibri"/>
+                <a:cs typeface="Calibri"/>
+                <a:sym typeface="Calibri"/>
+              </a:rPr>
+              <a:t>Logical Validity is a more sophisticated version of face validity. It involves: (1) careful definition of the domain of behaviors and, (2) logical design of items to cover all the important areas of this domain. </a:t>
+            </a:r>
+            <a:endParaRPr sz="3500">
+              <a:latin typeface="Calibri"/>
+              <a:ea typeface="Calibri"/>
+              <a:cs typeface="Calibri"/>
+              <a:sym typeface="Calibri"/>
             </a:endParaRPr>
           </a:p>
         </p:txBody>
       </p:sp>
       <p:pic>
         <p:nvPicPr>
-          <p:cNvPr id="76" name="Google Shape;76;g2492f7694c2_0_0"/>
+          <p:cNvPr id="56" name="Google Shape;56;g2492f7694c2_0_0"/>
           <p:cNvPicPr preferRelativeResize="0"/>
           <p:nvPr/>
         </p:nvPicPr>
@@ -9478,7 +10525,7 @@
         </p:blipFill>
         <p:spPr>
           <a:xfrm>
-            <a:off x="1738962" y="1482692"/>
+            <a:off x="2442400" y="1224525"/>
             <a:ext cx="6403275" cy="1668197"/>
           </a:xfrm>
           <a:prstGeom prst="rect">
@@ -9492,7 +10539,7 @@
       </p:pic>
       <p:sp>
         <p:nvSpPr>
-          <p:cNvPr id="77" name="Google Shape;77;g2492f7694c2_0_0"/>
+          <p:cNvPr id="57" name="Google Shape;57;g2492f7694c2_0_0"/>
           <p:cNvSpPr txBox="1">
             <a:spLocks noGrp="1"/>
           </p:cNvSpPr>
@@ -9502,8 +10549,8 @@
         </p:nvSpPr>
         <p:spPr>
           <a:xfrm>
-            <a:off x="14865750" y="13851074"/>
-            <a:ext cx="15229050" cy="804600"/>
+            <a:off x="14310750" y="13851075"/>
+            <a:ext cx="16283700" cy="804600"/>
           </a:xfrm>
           <a:prstGeom prst="rect">
             <a:avLst/>
@@ -9538,7 +10585,7 @@
               <a:buNone/>
             </a:pPr>
             <a:r>
-              <a:rPr lang="en-US" sz="4000" b="1" dirty="0">
+              <a:rPr lang="en-US" sz="4000" b="1">
                 <a:solidFill>
                   <a:srgbClr val="FFFFFF"/>
                 </a:solidFill>
@@ -9547,9 +10594,9 @@
                 <a:cs typeface="Arial"/>
                 <a:sym typeface="Arial"/>
               </a:rPr>
-              <a:t>ANALYTIC PLAN</a:t>
+              <a:t>CONTENT VALIDITY</a:t>
             </a:r>
-            <a:endParaRPr sz="4000" dirty="0">
+            <a:endParaRPr sz="4000">
               <a:latin typeface="Arial"/>
               <a:ea typeface="Arial"/>
               <a:cs typeface="Arial"/>
@@ -9560,7 +10607,7 @@
       </p:sp>
       <p:sp>
         <p:nvSpPr>
-          <p:cNvPr id="78" name="Google Shape;78;g2492f7694c2_0_0"/>
+          <p:cNvPr id="58" name="Google Shape;58;g2492f7694c2_0_0"/>
           <p:cNvSpPr txBox="1">
             <a:spLocks noGrp="1"/>
           </p:cNvSpPr>
@@ -9606,7 +10653,7 @@
               <a:buNone/>
             </a:pPr>
             <a:r>
-              <a:rPr lang="en-US" sz="4000" b="1" dirty="0">
+              <a:rPr lang="en-US" sz="4000" b="1">
                 <a:solidFill>
                   <a:srgbClr val="FFFFFF"/>
                 </a:solidFill>
@@ -9615,9 +10662,9 @@
                 <a:cs typeface="Arial"/>
                 <a:sym typeface="Arial"/>
               </a:rPr>
-              <a:t>Welfare Tradeoff Ratio</a:t>
+              <a:t>Gratitude &amp; Welfare Tradeoff Ratio</a:t>
             </a:r>
-            <a:endParaRPr dirty="0">
+            <a:endParaRPr>
               <a:latin typeface="Arial"/>
               <a:ea typeface="Arial"/>
               <a:cs typeface="Arial"/>
@@ -9628,7 +10675,308 @@
       </p:sp>
       <p:sp>
         <p:nvSpPr>
-          <p:cNvPr id="80" name="Google Shape;80;g2492f7694c2_0_0"/>
+          <p:cNvPr id="59" name="Google Shape;59;g2492f7694c2_0_0"/>
+          <p:cNvSpPr txBox="1"/>
+          <p:nvPr/>
+        </p:nvSpPr>
+        <p:spPr>
+          <a:xfrm>
+            <a:off x="30594450" y="5660100"/>
+            <a:ext cx="13269000" cy="6141600"/>
+          </a:xfrm>
+          <a:prstGeom prst="rect">
+            <a:avLst/>
+          </a:prstGeom>
+          <a:noFill/>
+          <a:ln>
+            <a:noFill/>
+          </a:ln>
+        </p:spPr>
+        <p:txBody>
+          <a:bodyPr spcFirstLastPara="1" wrap="square" lIns="91425" tIns="91425" rIns="91425" bIns="91425" anchor="t" anchorCtr="0">
+            <a:spAutoFit/>
+          </a:bodyPr>
+          <a:lstStyle/>
+          <a:p>
+            <a:pPr marL="0" marR="0" lvl="0" indent="0" algn="l" rtl="0">
+              <a:lnSpc>
+                <a:spcPct val="90000"/>
+              </a:lnSpc>
+              <a:spcBef>
+                <a:spcPts val="3600"/>
+              </a:spcBef>
+              <a:spcAft>
+                <a:spcPts val="0"/>
+              </a:spcAft>
+              <a:buClr>
+                <a:srgbClr val="000000"/>
+              </a:buClr>
+              <a:buSzPts val="3000"/>
+              <a:buFont typeface="Arial"/>
+              <a:buNone/>
+            </a:pPr>
+            <a:r>
+              <a:rPr lang="en-US" sz="3000" b="1">
+                <a:solidFill>
+                  <a:srgbClr val="1E4E79"/>
+                </a:solidFill>
+                <a:latin typeface="Calibri"/>
+                <a:ea typeface="Calibri"/>
+                <a:cs typeface="Calibri"/>
+                <a:sym typeface="Calibri"/>
+              </a:rPr>
+              <a:t>ANOVA:</a:t>
+            </a:r>
+            <a:endParaRPr sz="3000" b="1">
+              <a:solidFill>
+                <a:srgbClr val="1E4E79"/>
+              </a:solidFill>
+              <a:latin typeface="Calibri"/>
+              <a:ea typeface="Calibri"/>
+              <a:cs typeface="Calibri"/>
+              <a:sym typeface="Calibri"/>
+            </a:endParaRPr>
+          </a:p>
+          <a:p>
+            <a:pPr marL="457200" marR="0" lvl="0" indent="-419100" algn="l" rtl="0">
+              <a:lnSpc>
+                <a:spcPct val="90000"/>
+              </a:lnSpc>
+              <a:spcBef>
+                <a:spcPts val="3600"/>
+              </a:spcBef>
+              <a:spcAft>
+                <a:spcPts val="0"/>
+              </a:spcAft>
+              <a:buClr>
+                <a:srgbClr val="1E4E79"/>
+              </a:buClr>
+              <a:buSzPts val="3000"/>
+              <a:buFont typeface="Calibri"/>
+              <a:buChar char="-"/>
+            </a:pPr>
+            <a:r>
+              <a:rPr lang="en-US" sz="3000" b="1">
+                <a:solidFill>
+                  <a:srgbClr val="1E4E79"/>
+                </a:solidFill>
+                <a:latin typeface="Calibri"/>
+                <a:ea typeface="Calibri"/>
+                <a:cs typeface="Calibri"/>
+                <a:sym typeface="Calibri"/>
+              </a:rPr>
+              <a:t>Significant main effect of Person-Type(p&lt;0.001), Question-Type(p=0.06) and Question x Person Interaction (p=0.038)</a:t>
+            </a:r>
+            <a:endParaRPr sz="3000" b="1">
+              <a:solidFill>
+                <a:srgbClr val="1E4E79"/>
+              </a:solidFill>
+              <a:latin typeface="Calibri"/>
+              <a:ea typeface="Calibri"/>
+              <a:cs typeface="Calibri"/>
+              <a:sym typeface="Calibri"/>
+            </a:endParaRPr>
+          </a:p>
+          <a:p>
+            <a:pPr marL="457200" marR="0" lvl="0" indent="-419100" algn="l" rtl="0">
+              <a:lnSpc>
+                <a:spcPct val="90000"/>
+              </a:lnSpc>
+              <a:spcBef>
+                <a:spcPts val="0"/>
+              </a:spcBef>
+              <a:spcAft>
+                <a:spcPts val="0"/>
+              </a:spcAft>
+              <a:buClr>
+                <a:srgbClr val="1E4E79"/>
+              </a:buClr>
+              <a:buSzPts val="3000"/>
+              <a:buFont typeface="Calibri"/>
+              <a:buChar char="-"/>
+            </a:pPr>
+            <a:r>
+              <a:rPr lang="en-US" sz="3000" b="1">
+                <a:solidFill>
+                  <a:srgbClr val="1E4E79"/>
+                </a:solidFill>
+                <a:latin typeface="Calibri"/>
+                <a:ea typeface="Calibri"/>
+                <a:cs typeface="Calibri"/>
+                <a:sym typeface="Calibri"/>
+              </a:rPr>
+              <a:t>Significant difference between different framing of the questions, and also difference between close friend vs. stranger</a:t>
+            </a:r>
+            <a:endParaRPr sz="3000" b="1">
+              <a:solidFill>
+                <a:srgbClr val="1E4E79"/>
+              </a:solidFill>
+              <a:latin typeface="Calibri"/>
+              <a:ea typeface="Calibri"/>
+              <a:cs typeface="Calibri"/>
+              <a:sym typeface="Calibri"/>
+            </a:endParaRPr>
+          </a:p>
+          <a:p>
+            <a:pPr marL="457200" marR="0" lvl="0" indent="-419100" algn="l" rtl="0">
+              <a:lnSpc>
+                <a:spcPct val="90000"/>
+              </a:lnSpc>
+              <a:spcBef>
+                <a:spcPts val="0"/>
+              </a:spcBef>
+              <a:spcAft>
+                <a:spcPts val="0"/>
+              </a:spcAft>
+              <a:buClr>
+                <a:srgbClr val="1E4E79"/>
+              </a:buClr>
+              <a:buSzPts val="3000"/>
+              <a:buFont typeface="Calibri"/>
+              <a:buChar char="-"/>
+            </a:pPr>
+            <a:r>
+              <a:rPr lang="en-US" sz="3000" b="1">
+                <a:solidFill>
+                  <a:srgbClr val="1E4E79"/>
+                </a:solidFill>
+                <a:latin typeface="Calibri"/>
+                <a:ea typeface="Calibri"/>
+                <a:cs typeface="Calibri"/>
+                <a:sym typeface="Calibri"/>
+              </a:rPr>
+              <a:t>Under both friend &amp; stranger condition</a:t>
+            </a:r>
+            <a:endParaRPr sz="3000" b="1">
+              <a:solidFill>
+                <a:srgbClr val="1E4E79"/>
+              </a:solidFill>
+              <a:latin typeface="Calibri"/>
+              <a:ea typeface="Calibri"/>
+              <a:cs typeface="Calibri"/>
+              <a:sym typeface="Calibri"/>
+            </a:endParaRPr>
+          </a:p>
+          <a:p>
+            <a:pPr marL="914400" marR="0" lvl="1" indent="-419100" algn="l" rtl="0">
+              <a:lnSpc>
+                <a:spcPct val="90000"/>
+              </a:lnSpc>
+              <a:spcBef>
+                <a:spcPts val="0"/>
+              </a:spcBef>
+              <a:spcAft>
+                <a:spcPts val="0"/>
+              </a:spcAft>
+              <a:buClr>
+                <a:srgbClr val="1E4E79"/>
+              </a:buClr>
+              <a:buSzPts val="3000"/>
+              <a:buFont typeface="Calibri"/>
+              <a:buChar char="-"/>
+            </a:pPr>
+            <a:r>
+              <a:rPr lang="en-US" sz="3000" b="1">
+                <a:solidFill>
+                  <a:srgbClr val="1E4E79"/>
+                </a:solidFill>
+                <a:latin typeface="Calibri"/>
+                <a:ea typeface="Calibri"/>
+                <a:cs typeface="Calibri"/>
+                <a:sym typeface="Calibri"/>
+              </a:rPr>
+              <a:t>significant difference between gratefulness &amp; obligation to return the favor</a:t>
+            </a:r>
+            <a:endParaRPr sz="3000" b="1">
+              <a:solidFill>
+                <a:srgbClr val="1E4E79"/>
+              </a:solidFill>
+              <a:latin typeface="Calibri"/>
+              <a:ea typeface="Calibri"/>
+              <a:cs typeface="Calibri"/>
+              <a:sym typeface="Calibri"/>
+            </a:endParaRPr>
+          </a:p>
+          <a:p>
+            <a:pPr marL="0" marR="0" lvl="0" indent="0" algn="l" rtl="0">
+              <a:lnSpc>
+                <a:spcPct val="90000"/>
+              </a:lnSpc>
+              <a:spcBef>
+                <a:spcPts val="3600"/>
+              </a:spcBef>
+              <a:spcAft>
+                <a:spcPts val="0"/>
+              </a:spcAft>
+              <a:buNone/>
+            </a:pPr>
+            <a:r>
+              <a:rPr lang="en-US" sz="3000" b="1">
+                <a:solidFill>
+                  <a:srgbClr val="1E4E79"/>
+                </a:solidFill>
+                <a:latin typeface="Calibri"/>
+                <a:ea typeface="Calibri"/>
+                <a:cs typeface="Calibri"/>
+                <a:sym typeface="Calibri"/>
+              </a:rPr>
+              <a:t>Correlation:</a:t>
+            </a:r>
+            <a:endParaRPr sz="3000" b="1">
+              <a:solidFill>
+                <a:srgbClr val="1E4E79"/>
+              </a:solidFill>
+              <a:latin typeface="Calibri"/>
+              <a:ea typeface="Calibri"/>
+              <a:cs typeface="Calibri"/>
+              <a:sym typeface="Calibri"/>
+            </a:endParaRPr>
+          </a:p>
+          <a:p>
+            <a:pPr marL="457200" lvl="0" indent="-419100" algn="l" rtl="0">
+              <a:lnSpc>
+                <a:spcPct val="90000"/>
+              </a:lnSpc>
+              <a:spcBef>
+                <a:spcPts val="3600"/>
+              </a:spcBef>
+              <a:spcAft>
+                <a:spcPts val="0"/>
+              </a:spcAft>
+              <a:buClr>
+                <a:srgbClr val="1E4E79"/>
+              </a:buClr>
+              <a:buSzPts val="3000"/>
+              <a:buFont typeface="Calibri"/>
+              <a:buChar char="-"/>
+            </a:pPr>
+            <a:r>
+              <a:rPr lang="en-US" sz="3000" b="1">
+                <a:solidFill>
+                  <a:srgbClr val="1E4E79"/>
+                </a:solidFill>
+                <a:latin typeface="Calibri"/>
+                <a:ea typeface="Calibri"/>
+                <a:cs typeface="Calibri"/>
+                <a:sym typeface="Calibri"/>
+              </a:rPr>
+              <a:t>When asked to think about a friend in the situation, the perceived benefit is significantly correlating with obligation, gratefulness and want to return the benefit (r=0.455, 0.451 and 0.466 respectively)</a:t>
+            </a:r>
+            <a:endParaRPr sz="3000" b="1">
+              <a:solidFill>
+                <a:srgbClr val="1E4E79"/>
+              </a:solidFill>
+              <a:latin typeface="Calibri"/>
+              <a:ea typeface="Calibri"/>
+              <a:cs typeface="Calibri"/>
+              <a:sym typeface="Calibri"/>
+            </a:endParaRPr>
+          </a:p>
+        </p:txBody>
+      </p:sp>
+      <p:sp>
+        <p:nvSpPr>
+          <p:cNvPr id="60" name="Google Shape;60;g2492f7694c2_0_0"/>
           <p:cNvSpPr txBox="1">
             <a:spLocks noGrp="1"/>
           </p:cNvSpPr>
@@ -9638,43 +10986,42 @@
         </p:nvSpPr>
         <p:spPr>
           <a:xfrm>
-            <a:off x="-143978" y="19576374"/>
-            <a:ext cx="14709900" cy="11564654"/>
+            <a:off x="14263863" y="21744175"/>
+            <a:ext cx="15784200" cy="800400"/>
           </a:xfrm>
           <a:prstGeom prst="rect">
             <a:avLst/>
           </a:prstGeom>
+          <a:solidFill>
+            <a:srgbClr val="0F5191"/>
+          </a:solidFill>
           <a:ln>
             <a:noFill/>
           </a:ln>
         </p:spPr>
         <p:txBody>
-          <a:bodyPr spcFirstLastPara="1" wrap="square" lIns="228575" tIns="228575" rIns="228575" bIns="228575" anchor="t" anchorCtr="0">
-            <a:spAutoFit/>
+          <a:bodyPr spcFirstLastPara="1" wrap="square" lIns="91425" tIns="91425" rIns="91425" bIns="91425" anchor="ctr" anchorCtr="0">
+            <a:noAutofit/>
           </a:bodyPr>
           <a:lstStyle/>
           <a:p>
-            <a:r>
-              <a:rPr lang="en-US" sz="3500" dirty="0">
-                <a:effectLst/>
-                <a:latin typeface="Helvetica Neue" panose="02000503000000020004" pitchFamily="2" charset="0"/>
-              </a:rPr>
-              <a:t>The study was conducted in the form of an online Qualtrics questionnaire which can be completed in less than 30 minutes. The questionnaire, adapted from a previous study by Forster et al. (2017), contains two sets of 20 hypothetical scenarios in which another person does something helpful for the respondent; in the first set the other person is a stranger; in the second set the other person is a close friend. For each of these (2 x 20 = 40) scenarios the respondent is asked to answer three questions regarding (1) how grateful he/she would feel, (2) how much he/she would want to return the favor, and (3) how much he/she would feel obligated to return the favor. Scores will summed across the 20 scenarios to yield a total score for each of the three questions, separately for stranger and friend. The analysis will be a 3 (questions: gratefulness, desire to reciprocate, obligation to reciprocate) x 2 (stranger, friend) repeated-measures ANOVA followed by analysis of simple effects. We expect to find an interaction, such that gratefulness does not differ between targets (as found by Forster et al. 2017) but that both desire to reciprocate and obligation to reciprocate) do differ between targets; specifically, the desire and obligation to reciprocate a stranger’s favor is greater than for a friend’s favor.</a:t>
-            </a:r>
-          </a:p>
-          <a:p>
-            <a:pPr marL="457200" lvl="0" indent="-419100" algn="l" rtl="0">
-              <a:spcBef>
-                <a:spcPts val="3600"/>
-              </a:spcBef>
-              <a:spcAft>
-                <a:spcPts val="0"/>
-              </a:spcAft>
-              <a:buSzPts val="3000"/>
-              <a:buFont typeface="Arial"/>
-              <a:buChar char="●"/>
+            <a:pPr marL="0" lvl="0" indent="0" algn="ctr" rtl="0">
+              <a:lnSpc>
+                <a:spcPct val="90000"/>
+              </a:lnSpc>
+              <a:spcBef>
+                <a:spcPts val="0"/>
+              </a:spcBef>
+              <a:spcAft>
+                <a:spcPts val="0"/>
+              </a:spcAft>
+              <a:buClr>
+                <a:srgbClr val="FFFFFF"/>
+              </a:buClr>
+              <a:buSzPts val="4000"/>
+              <a:buNone/>
             </a:pPr>
-            <a:endParaRPr sz="3500" dirty="0">
+            <a:endParaRPr sz="4000">
               <a:latin typeface="Arial"/>
               <a:ea typeface="Arial"/>
               <a:cs typeface="Arial"/>
@@ -9683,16 +11030,72 @@
           </a:p>
         </p:txBody>
       </p:sp>
+      <p:pic>
+        <p:nvPicPr>
+          <p:cNvPr id="61" name="Google Shape;61;g2492f7694c2_0_0"/>
+          <p:cNvPicPr preferRelativeResize="0"/>
+          <p:nvPr/>
+        </p:nvPicPr>
+        <p:blipFill>
+          <a:blip r:embed="rId4">
+            <a:alphaModFix/>
+          </a:blip>
+          <a:stretch>
+            <a:fillRect/>
+          </a:stretch>
+        </p:blipFill>
+        <p:spPr>
+          <a:xfrm>
+            <a:off x="694050" y="22630100"/>
+            <a:ext cx="9675995" cy="9717876"/>
+          </a:xfrm>
+          <a:prstGeom prst="rect">
+            <a:avLst/>
+          </a:prstGeom>
+          <a:noFill/>
+          <a:ln>
+            <a:noFill/>
+          </a:ln>
+        </p:spPr>
+      </p:pic>
+      <p:pic>
+        <p:nvPicPr>
+          <p:cNvPr id="62" name="Google Shape;62;g2492f7694c2_0_0"/>
+          <p:cNvPicPr preferRelativeResize="0"/>
+          <p:nvPr/>
+        </p:nvPicPr>
+        <p:blipFill>
+          <a:blip r:embed="rId5">
+            <a:alphaModFix/>
+          </a:blip>
+          <a:stretch>
+            <a:fillRect/>
+          </a:stretch>
+        </p:blipFill>
+        <p:spPr>
+          <a:xfrm>
+            <a:off x="19840245" y="22855060"/>
+            <a:ext cx="10606251" cy="9492915"/>
+          </a:xfrm>
+          <a:prstGeom prst="rect">
+            <a:avLst/>
+          </a:prstGeom>
+          <a:noFill/>
+          <a:ln>
+            <a:noFill/>
+          </a:ln>
+        </p:spPr>
+      </p:pic>
       <p:sp>
         <p:nvSpPr>
-          <p:cNvPr id="89" name="Google Shape;89;g2492f7694c2_0_0"/>
+          <p:cNvPr id="63" name="Google Shape;63;g2492f7694c2_0_0"/>
           <p:cNvSpPr txBox="1"/>
           <p:nvPr/>
         </p:nvSpPr>
         <p:spPr>
           <a:xfrm>
-            <a:off x="31688325" y="6533295"/>
-            <a:ext cx="5226900" cy="1061799"/>
+            <a:off x="9773875" y="24350775"/>
+            <a:ext cx="9900000" cy="1416000"/>
           </a:xfrm>
           <a:prstGeom prst="rect">
             <a:avLst/>
@@ -9709,11 +11112,8 @@
           <a:lstStyle/>
           <a:p>
             <a:pPr marL="0" lvl="0" indent="0" algn="l" rtl="0">
-              <a:lnSpc>
-                <a:spcPct val="90000"/>
-              </a:lnSpc>
-              <a:spcBef>
-                <a:spcPts val="3600"/>
+              <a:spcBef>
+                <a:spcPts val="0"/>
               </a:spcBef>
               <a:spcAft>
                 <a:spcPts val="0"/>
@@ -9721,21 +11121,622 @@
               <a:buNone/>
             </a:pPr>
             <a:r>
-              <a:rPr lang="en-US" sz="3000" b="1" dirty="0">
+              <a:rPr lang="en-US" sz="4000">
                 <a:solidFill>
                   <a:srgbClr val="1E4E79"/>
                 </a:solidFill>
+                <a:latin typeface="Calibri"/>
+                <a:ea typeface="Calibri"/>
+                <a:cs typeface="Calibri"/>
+                <a:sym typeface="Calibri"/>
               </a:rPr>
-              <a:t>Exploratory Analyses</a:t>
+              <a:t>194 college students participated (54% female, mean age: 20.4)</a:t>
             </a:r>
-            <a:endParaRPr sz="3000" b="1" dirty="0">
+            <a:endParaRPr sz="4000">
               <a:solidFill>
                 <a:srgbClr val="1E4E79"/>
               </a:solidFill>
+              <a:latin typeface="Calibri"/>
+              <a:ea typeface="Calibri"/>
+              <a:cs typeface="Calibri"/>
+              <a:sym typeface="Calibri"/>
             </a:endParaRPr>
           </a:p>
         </p:txBody>
       </p:sp>
+      <p:sp>
+        <p:nvSpPr>
+          <p:cNvPr id="64" name="Google Shape;64;g2492f7694c2_0_0"/>
+          <p:cNvSpPr txBox="1"/>
+          <p:nvPr/>
+        </p:nvSpPr>
+        <p:spPr>
+          <a:xfrm>
+            <a:off x="10088875" y="25912875"/>
+            <a:ext cx="9270000" cy="4340700"/>
+          </a:xfrm>
+          <a:prstGeom prst="rect">
+            <a:avLst/>
+          </a:prstGeom>
+          <a:noFill/>
+          <a:ln>
+            <a:noFill/>
+          </a:ln>
+        </p:spPr>
+        <p:txBody>
+          <a:bodyPr spcFirstLastPara="1" wrap="square" lIns="91425" tIns="91425" rIns="91425" bIns="91425" anchor="t" anchorCtr="0">
+            <a:spAutoFit/>
+          </a:bodyPr>
+          <a:lstStyle/>
+          <a:p>
+            <a:pPr marL="0" lvl="0" indent="0" algn="l" rtl="0">
+              <a:spcBef>
+                <a:spcPts val="0"/>
+              </a:spcBef>
+              <a:spcAft>
+                <a:spcPts val="0"/>
+              </a:spcAft>
+              <a:buClr>
+                <a:schemeClr val="dk1"/>
+              </a:buClr>
+              <a:buSzPts val="1100"/>
+              <a:buFont typeface="Arial"/>
+              <a:buNone/>
+            </a:pPr>
+            <a:r>
+              <a:rPr lang="en-US" sz="3000" b="1">
+                <a:solidFill>
+                  <a:srgbClr val="1E4E79"/>
+                </a:solidFill>
+                <a:latin typeface="Calibri"/>
+                <a:ea typeface="Calibri"/>
+                <a:cs typeface="Calibri"/>
+                <a:sym typeface="Calibri"/>
+              </a:rPr>
+              <a:t>Stimuli for scenarios in the Experiment</a:t>
+            </a:r>
+            <a:endParaRPr sz="3000" b="1">
+              <a:solidFill>
+                <a:srgbClr val="1E4E79"/>
+              </a:solidFill>
+              <a:latin typeface="Calibri"/>
+              <a:ea typeface="Calibri"/>
+              <a:cs typeface="Calibri"/>
+              <a:sym typeface="Calibri"/>
+            </a:endParaRPr>
+          </a:p>
+          <a:p>
+            <a:pPr marL="0" lvl="0" indent="0" algn="l" rtl="0">
+              <a:spcBef>
+                <a:spcPts val="0"/>
+              </a:spcBef>
+              <a:spcAft>
+                <a:spcPts val="0"/>
+              </a:spcAft>
+              <a:buClr>
+                <a:schemeClr val="dk1"/>
+              </a:buClr>
+              <a:buSzPts val="1100"/>
+              <a:buFont typeface="Arial"/>
+              <a:buNone/>
+            </a:pPr>
+            <a:r>
+              <a:rPr lang="en-US" sz="3000">
+                <a:solidFill>
+                  <a:srgbClr val="1E4E79"/>
+                </a:solidFill>
+                <a:latin typeface="Calibri"/>
+                <a:ea typeface="Calibri"/>
+                <a:cs typeface="Calibri"/>
+                <a:sym typeface="Calibri"/>
+              </a:rPr>
+              <a:t>As you think about how you would feel in response to the situation below, please keep the following assumptions in mind:</a:t>
+            </a:r>
+            <a:endParaRPr sz="3000">
+              <a:solidFill>
+                <a:srgbClr val="1E4E79"/>
+              </a:solidFill>
+              <a:latin typeface="Calibri"/>
+              <a:ea typeface="Calibri"/>
+              <a:cs typeface="Calibri"/>
+              <a:sym typeface="Calibri"/>
+            </a:endParaRPr>
+          </a:p>
+          <a:p>
+            <a:pPr marL="457200" lvl="0" indent="0" algn="l" rtl="0">
+              <a:spcBef>
+                <a:spcPts val="0"/>
+              </a:spcBef>
+              <a:spcAft>
+                <a:spcPts val="0"/>
+              </a:spcAft>
+              <a:buClr>
+                <a:schemeClr val="dk1"/>
+              </a:buClr>
+              <a:buSzPts val="1100"/>
+              <a:buFont typeface="Arial"/>
+              <a:buNone/>
+            </a:pPr>
+            <a:r>
+              <a:rPr lang="en-US" sz="3000">
+                <a:solidFill>
+                  <a:srgbClr val="1E4E79"/>
+                </a:solidFill>
+                <a:latin typeface="Calibri"/>
+                <a:ea typeface="Calibri"/>
+                <a:cs typeface="Calibri"/>
+                <a:sym typeface="Calibri"/>
+              </a:rPr>
+              <a:t>- Each scenario happened in isolation from all other scenarios.</a:t>
+            </a:r>
+            <a:endParaRPr sz="3000">
+              <a:solidFill>
+                <a:srgbClr val="1E4E79"/>
+              </a:solidFill>
+              <a:latin typeface="Calibri"/>
+              <a:ea typeface="Calibri"/>
+              <a:cs typeface="Calibri"/>
+              <a:sym typeface="Calibri"/>
+            </a:endParaRPr>
+          </a:p>
+          <a:p>
+            <a:pPr marL="457200" lvl="0" indent="0" algn="l" rtl="0">
+              <a:spcBef>
+                <a:spcPts val="0"/>
+              </a:spcBef>
+              <a:spcAft>
+                <a:spcPts val="0"/>
+              </a:spcAft>
+              <a:buClr>
+                <a:schemeClr val="dk1"/>
+              </a:buClr>
+              <a:buSzPts val="1100"/>
+              <a:buFont typeface="Arial"/>
+              <a:buNone/>
+            </a:pPr>
+            <a:r>
+              <a:rPr lang="en-US" sz="3000">
+                <a:solidFill>
+                  <a:srgbClr val="1E4E79"/>
+                </a:solidFill>
+                <a:latin typeface="Calibri"/>
+                <a:ea typeface="Calibri"/>
+                <a:cs typeface="Calibri"/>
+                <a:sym typeface="Calibri"/>
+              </a:rPr>
+              <a:t>- [Target] is in good health and in a financially secure position.</a:t>
+            </a:r>
+            <a:endParaRPr sz="3000">
+              <a:solidFill>
+                <a:srgbClr val="1E4E79"/>
+              </a:solidFill>
+              <a:latin typeface="Calibri"/>
+              <a:ea typeface="Calibri"/>
+              <a:cs typeface="Calibri"/>
+              <a:sym typeface="Calibri"/>
+            </a:endParaRPr>
+          </a:p>
+          <a:p>
+            <a:pPr marL="457200" lvl="0" indent="0" algn="l" rtl="0">
+              <a:spcBef>
+                <a:spcPts val="0"/>
+              </a:spcBef>
+              <a:spcAft>
+                <a:spcPts val="0"/>
+              </a:spcAft>
+              <a:buNone/>
+            </a:pPr>
+            <a:endParaRPr sz="3000">
+              <a:solidFill>
+                <a:srgbClr val="1E4E79"/>
+              </a:solidFill>
+              <a:latin typeface="Calibri"/>
+              <a:ea typeface="Calibri"/>
+              <a:cs typeface="Calibri"/>
+              <a:sym typeface="Calibri"/>
+            </a:endParaRPr>
+          </a:p>
+        </p:txBody>
+      </p:sp>
+      <p:sp>
+        <p:nvSpPr>
+          <p:cNvPr id="65" name="Google Shape;65;g2492f7694c2_0_0"/>
+          <p:cNvSpPr txBox="1"/>
+          <p:nvPr/>
+        </p:nvSpPr>
+        <p:spPr>
+          <a:xfrm>
+            <a:off x="31790788" y="28645863"/>
+            <a:ext cx="11934900" cy="669600"/>
+          </a:xfrm>
+          <a:prstGeom prst="rect">
+            <a:avLst/>
+          </a:prstGeom>
+          <a:noFill/>
+          <a:ln>
+            <a:noFill/>
+          </a:ln>
+        </p:spPr>
+        <p:txBody>
+          <a:bodyPr spcFirstLastPara="1" wrap="square" lIns="91425" tIns="91425" rIns="91425" bIns="91425" anchor="t" anchorCtr="0">
+            <a:spAutoFit/>
+          </a:bodyPr>
+          <a:lstStyle/>
+          <a:p>
+            <a:pPr marL="0" lvl="0" indent="0" algn="l" rtl="0">
+              <a:lnSpc>
+                <a:spcPct val="90000"/>
+              </a:lnSpc>
+              <a:spcBef>
+                <a:spcPts val="0"/>
+              </a:spcBef>
+              <a:spcAft>
+                <a:spcPts val="0"/>
+              </a:spcAft>
+              <a:buNone/>
+            </a:pPr>
+            <a:endParaRPr sz="3500">
+              <a:solidFill>
+                <a:srgbClr val="1F3864"/>
+              </a:solidFill>
+              <a:latin typeface="Calibri"/>
+              <a:ea typeface="Calibri"/>
+              <a:cs typeface="Calibri"/>
+              <a:sym typeface="Calibri"/>
+            </a:endParaRPr>
+          </a:p>
+        </p:txBody>
+      </p:sp>
+      <p:sp>
+        <p:nvSpPr>
+          <p:cNvPr id="66" name="Google Shape;66;g2492f7694c2_0_0"/>
+          <p:cNvSpPr txBox="1">
+            <a:spLocks noGrp="1"/>
+          </p:cNvSpPr>
+          <p:nvPr>
+            <p:ph type="body" idx="1"/>
+          </p:nvPr>
+        </p:nvSpPr>
+        <p:spPr>
+          <a:xfrm>
+            <a:off x="16294126" y="6214425"/>
+            <a:ext cx="11723700" cy="3855600"/>
+          </a:xfrm>
+          <a:prstGeom prst="rect">
+            <a:avLst/>
+          </a:prstGeom>
+          <a:noFill/>
+          <a:ln>
+            <a:noFill/>
+          </a:ln>
+        </p:spPr>
+        <p:txBody>
+          <a:bodyPr spcFirstLastPara="1" wrap="square" lIns="228575" tIns="228575" rIns="228575" bIns="228575" anchor="t" anchorCtr="0">
+            <a:spAutoFit/>
+          </a:bodyPr>
+          <a:lstStyle/>
+          <a:p>
+            <a:pPr marL="457200" lvl="0" indent="-450850" algn="l" rtl="0">
+              <a:lnSpc>
+                <a:spcPct val="90000"/>
+              </a:lnSpc>
+              <a:spcBef>
+                <a:spcPts val="0"/>
+              </a:spcBef>
+              <a:spcAft>
+                <a:spcPts val="0"/>
+              </a:spcAft>
+              <a:buSzPts val="3500"/>
+              <a:buFont typeface="Calibri"/>
+              <a:buChar char="●"/>
+            </a:pPr>
+            <a:r>
+              <a:rPr lang="en-US" sz="3500" b="1">
+                <a:latin typeface="Calibri"/>
+                <a:ea typeface="Calibri"/>
+                <a:cs typeface="Calibri"/>
+                <a:sym typeface="Calibri"/>
+              </a:rPr>
+              <a:t>Altruism (Hamilton’s rule): </a:t>
+            </a:r>
+            <a:r>
+              <a:rPr lang="en-US" sz="3500">
+                <a:latin typeface="Calibri"/>
+                <a:ea typeface="Calibri"/>
+                <a:cs typeface="Calibri"/>
+                <a:sym typeface="Calibri"/>
+              </a:rPr>
+              <a:t>∑ rj* bj &gt; cj (recipient j and actor i)</a:t>
+            </a:r>
+            <a:endParaRPr sz="3500">
+              <a:latin typeface="Calibri"/>
+              <a:ea typeface="Calibri"/>
+              <a:cs typeface="Calibri"/>
+              <a:sym typeface="Calibri"/>
+            </a:endParaRPr>
+          </a:p>
+          <a:p>
+            <a:pPr marL="457200" lvl="0" indent="-450850" algn="l" rtl="0">
+              <a:lnSpc>
+                <a:spcPct val="90000"/>
+              </a:lnSpc>
+              <a:spcBef>
+                <a:spcPts val="0"/>
+              </a:spcBef>
+              <a:spcAft>
+                <a:spcPts val="0"/>
+              </a:spcAft>
+              <a:buSzPts val="3500"/>
+              <a:buFont typeface="Calibri"/>
+              <a:buChar char="●"/>
+            </a:pPr>
+            <a:r>
+              <a:rPr lang="en-US" sz="3500" b="1">
+                <a:latin typeface="Calibri"/>
+                <a:ea typeface="Calibri"/>
+                <a:cs typeface="Calibri"/>
+                <a:sym typeface="Calibri"/>
+              </a:rPr>
+              <a:t>Different Emotions and their effects on WTR:</a:t>
+            </a:r>
+            <a:r>
+              <a:rPr lang="en-US" sz="3500">
+                <a:latin typeface="Calibri"/>
+                <a:ea typeface="Calibri"/>
+                <a:cs typeface="Calibri"/>
+                <a:sym typeface="Calibri"/>
+              </a:rPr>
+              <a:t> Love and Affection (increase WTR); Anger (recalibrate WTR in favor of the angry individual); Guilt and Gratitude (Avoid making others angry and thus keeps up positive reciprocity)</a:t>
+            </a:r>
+            <a:endParaRPr sz="3500" b="1">
+              <a:latin typeface="Calibri"/>
+              <a:ea typeface="Calibri"/>
+              <a:cs typeface="Calibri"/>
+              <a:sym typeface="Calibri"/>
+            </a:endParaRPr>
+          </a:p>
+          <a:p>
+            <a:pPr marL="457200" lvl="0" indent="-450850" algn="l" rtl="0">
+              <a:lnSpc>
+                <a:spcPct val="90000"/>
+              </a:lnSpc>
+              <a:spcBef>
+                <a:spcPts val="0"/>
+              </a:spcBef>
+              <a:spcAft>
+                <a:spcPts val="0"/>
+              </a:spcAft>
+              <a:buSzPts val="3500"/>
+              <a:buFont typeface="Calibri"/>
+              <a:buChar char="●"/>
+            </a:pPr>
+            <a:r>
+              <a:rPr lang="en-US" sz="3500" b="1">
+                <a:latin typeface="Calibri"/>
+                <a:ea typeface="Calibri"/>
+                <a:cs typeface="Calibri"/>
+                <a:sym typeface="Calibri"/>
+              </a:rPr>
+              <a:t>WTR:</a:t>
+            </a:r>
+            <a:r>
+              <a:rPr lang="en-US" sz="3500">
+                <a:latin typeface="Calibri"/>
+                <a:ea typeface="Calibri"/>
+                <a:cs typeface="Calibri"/>
+                <a:sym typeface="Calibri"/>
+              </a:rPr>
+              <a:t> </a:t>
+            </a:r>
+            <a:endParaRPr sz="3500">
+              <a:latin typeface="Calibri"/>
+              <a:ea typeface="Calibri"/>
+              <a:cs typeface="Calibri"/>
+              <a:sym typeface="Calibri"/>
+            </a:endParaRPr>
+          </a:p>
+        </p:txBody>
+      </p:sp>
+      <p:sp>
+        <p:nvSpPr>
+          <p:cNvPr id="67" name="Google Shape;67;g2492f7694c2_0_0"/>
+          <p:cNvSpPr txBox="1"/>
+          <p:nvPr/>
+        </p:nvSpPr>
+        <p:spPr>
+          <a:xfrm>
+            <a:off x="3132450" y="32347975"/>
+            <a:ext cx="3684900" cy="461700"/>
+          </a:xfrm>
+          <a:prstGeom prst="rect">
+            <a:avLst/>
+          </a:prstGeom>
+          <a:noFill/>
+          <a:ln>
+            <a:noFill/>
+          </a:ln>
+        </p:spPr>
+        <p:txBody>
+          <a:bodyPr spcFirstLastPara="1" wrap="square" lIns="91425" tIns="91425" rIns="91425" bIns="91425" anchor="t" anchorCtr="0">
+            <a:spAutoFit/>
+          </a:bodyPr>
+          <a:lstStyle/>
+          <a:p>
+            <a:pPr marL="0" lvl="0" indent="0" algn="l" rtl="0">
+              <a:spcBef>
+                <a:spcPts val="0"/>
+              </a:spcBef>
+              <a:spcAft>
+                <a:spcPts val="0"/>
+              </a:spcAft>
+              <a:buNone/>
+            </a:pPr>
+            <a:r>
+              <a:rPr lang="en-US" sz="1800">
+                <a:solidFill>
+                  <a:schemeClr val="dk1"/>
+                </a:solidFill>
+                <a:latin typeface="Calibri"/>
+                <a:ea typeface="Calibri"/>
+                <a:cs typeface="Calibri"/>
+                <a:sym typeface="Calibri"/>
+              </a:rPr>
+              <a:t>figure 1: description of the survey</a:t>
+            </a:r>
+            <a:endParaRPr sz="1800">
+              <a:solidFill>
+                <a:schemeClr val="dk1"/>
+              </a:solidFill>
+              <a:latin typeface="Calibri"/>
+              <a:ea typeface="Calibri"/>
+              <a:cs typeface="Calibri"/>
+              <a:sym typeface="Calibri"/>
+            </a:endParaRPr>
+          </a:p>
+        </p:txBody>
+      </p:sp>
+      <p:sp>
+        <p:nvSpPr>
+          <p:cNvPr id="68" name="Google Shape;68;g2492f7694c2_0_0"/>
+          <p:cNvSpPr txBox="1"/>
+          <p:nvPr/>
+        </p:nvSpPr>
+        <p:spPr>
+          <a:xfrm>
+            <a:off x="23562225" y="22630100"/>
+            <a:ext cx="3162300" cy="461700"/>
+          </a:xfrm>
+          <a:prstGeom prst="rect">
+            <a:avLst/>
+          </a:prstGeom>
+          <a:noFill/>
+          <a:ln>
+            <a:noFill/>
+          </a:ln>
+        </p:spPr>
+        <p:txBody>
+          <a:bodyPr spcFirstLastPara="1" wrap="square" lIns="91425" tIns="91425" rIns="91425" bIns="91425" anchor="t" anchorCtr="0">
+            <a:spAutoFit/>
+          </a:bodyPr>
+          <a:lstStyle/>
+          <a:p>
+            <a:pPr marL="0" lvl="0" indent="0" algn="l" rtl="0">
+              <a:spcBef>
+                <a:spcPts val="0"/>
+              </a:spcBef>
+              <a:spcAft>
+                <a:spcPts val="0"/>
+              </a:spcAft>
+              <a:buNone/>
+            </a:pPr>
+            <a:r>
+              <a:rPr lang="en-US" sz="1800">
+                <a:solidFill>
+                  <a:schemeClr val="dk1"/>
+                </a:solidFill>
+                <a:latin typeface="Calibri"/>
+                <a:ea typeface="Calibri"/>
+                <a:cs typeface="Calibri"/>
+                <a:sym typeface="Calibri"/>
+              </a:rPr>
+              <a:t>table 1: questions in the survey</a:t>
+            </a:r>
+            <a:endParaRPr sz="1800">
+              <a:solidFill>
+                <a:schemeClr val="dk1"/>
+              </a:solidFill>
+              <a:latin typeface="Calibri"/>
+              <a:ea typeface="Calibri"/>
+              <a:cs typeface="Calibri"/>
+              <a:sym typeface="Calibri"/>
+            </a:endParaRPr>
+          </a:p>
+        </p:txBody>
+      </p:sp>
+      <p:pic>
+        <p:nvPicPr>
+          <p:cNvPr id="69" name="Google Shape;69;g2492f7694c2_0_0"/>
+          <p:cNvPicPr preferRelativeResize="0"/>
+          <p:nvPr/>
+        </p:nvPicPr>
+        <p:blipFill>
+          <a:blip r:embed="rId6">
+            <a:alphaModFix/>
+          </a:blip>
+          <a:stretch>
+            <a:fillRect/>
+          </a:stretch>
+        </p:blipFill>
+        <p:spPr>
+          <a:xfrm>
+            <a:off x="18131175" y="9388861"/>
+            <a:ext cx="5431050" cy="647925"/>
+          </a:xfrm>
+          <a:prstGeom prst="rect">
+            <a:avLst/>
+          </a:prstGeom>
+          <a:noFill/>
+          <a:ln>
+            <a:noFill/>
+          </a:ln>
+        </p:spPr>
+      </p:pic>
+      <p:pic>
+        <p:nvPicPr>
+          <p:cNvPr id="70" name="Google Shape;70;g2492f7694c2_0_0"/>
+          <p:cNvPicPr preferRelativeResize="0"/>
+          <p:nvPr/>
+        </p:nvPicPr>
+        <p:blipFill>
+          <a:blip r:embed="rId7">
+            <a:alphaModFix/>
+          </a:blip>
+          <a:stretch>
+            <a:fillRect/>
+          </a:stretch>
+        </p:blipFill>
+        <p:spPr>
+          <a:xfrm>
+            <a:off x="18594178" y="10280125"/>
+            <a:ext cx="5431049" cy="3360843"/>
+          </a:xfrm>
+          <a:prstGeom prst="rect">
+            <a:avLst/>
+          </a:prstGeom>
+          <a:noFill/>
+          <a:ln>
+            <a:noFill/>
+          </a:ln>
+        </p:spPr>
+      </p:pic>
+      <p:pic>
+        <p:nvPicPr>
+          <p:cNvPr id="71" name="Google Shape;71;g2492f7694c2_0_0"/>
+          <p:cNvPicPr preferRelativeResize="0"/>
+          <p:nvPr/>
+        </p:nvPicPr>
+        <p:blipFill>
+          <a:blip r:embed="rId8">
+            <a:alphaModFix/>
+          </a:blip>
+          <a:stretch>
+            <a:fillRect/>
+          </a:stretch>
+        </p:blipFill>
+        <p:spPr>
+          <a:xfrm>
+            <a:off x="32619050" y="12034450"/>
+            <a:ext cx="9900000" cy="5795100"/>
+          </a:xfrm>
+          <a:prstGeom prst="rect">
+            <a:avLst/>
+          </a:prstGeom>
+          <a:noFill/>
+          <a:ln>
+            <a:noFill/>
+          </a:ln>
+        </p:spPr>
+      </p:pic>
     </p:spTree>
   </p:cSld>
   <p:clrMapOvr>
